--- a/lecture06/lecture6-0-assessing-model-accuracy.pptx
+++ b/lecture06/lecture6-0-assessing-model-accuracy.pptx
@@ -5,11 +5,11 @@
     <p:sldMasterId id="2147483648" r:id="rId1"/>
   </p:sldMasterIdLst>
   <p:notesMasterIdLst>
-    <p:notesMasterId r:id="rId44"/>
+    <p:notesMasterId r:id="rId41"/>
   </p:notesMasterIdLst>
   <p:sldIdLst>
     <p:sldId id="294" r:id="rId2"/>
-    <p:sldId id="473" r:id="rId3"/>
+    <p:sldId id="448" r:id="rId3"/>
     <p:sldId id="335" r:id="rId4"/>
     <p:sldId id="301" r:id="rId5"/>
     <p:sldId id="302" r:id="rId6"/>
@@ -17,39 +17,36 @@
     <p:sldId id="349" r:id="rId8"/>
     <p:sldId id="350" r:id="rId9"/>
     <p:sldId id="352" r:id="rId10"/>
-    <p:sldId id="351" r:id="rId11"/>
-    <p:sldId id="369" r:id="rId12"/>
-    <p:sldId id="366" r:id="rId13"/>
-    <p:sldId id="353" r:id="rId14"/>
-    <p:sldId id="354" r:id="rId15"/>
-    <p:sldId id="355" r:id="rId16"/>
-    <p:sldId id="356" r:id="rId17"/>
-    <p:sldId id="357" r:id="rId18"/>
-    <p:sldId id="337" r:id="rId19"/>
-    <p:sldId id="338" r:id="rId20"/>
-    <p:sldId id="339" r:id="rId21"/>
-    <p:sldId id="340" r:id="rId22"/>
-    <p:sldId id="341" r:id="rId23"/>
-    <p:sldId id="375" r:id="rId24"/>
-    <p:sldId id="374" r:id="rId25"/>
-    <p:sldId id="376" r:id="rId26"/>
-    <p:sldId id="342" r:id="rId27"/>
-    <p:sldId id="371" r:id="rId28"/>
-    <p:sldId id="343" r:id="rId29"/>
-    <p:sldId id="373" r:id="rId30"/>
-    <p:sldId id="344" r:id="rId31"/>
-    <p:sldId id="346" r:id="rId32"/>
-    <p:sldId id="347" r:id="rId33"/>
-    <p:sldId id="360" r:id="rId34"/>
-    <p:sldId id="475" r:id="rId35"/>
-    <p:sldId id="377" r:id="rId36"/>
-    <p:sldId id="378" r:id="rId37"/>
-    <p:sldId id="383" r:id="rId38"/>
-    <p:sldId id="379" r:id="rId39"/>
-    <p:sldId id="380" r:id="rId40"/>
-    <p:sldId id="381" r:id="rId41"/>
-    <p:sldId id="382" r:id="rId42"/>
-    <p:sldId id="474" r:id="rId43"/>
+    <p:sldId id="369" r:id="rId11"/>
+    <p:sldId id="366" r:id="rId12"/>
+    <p:sldId id="353" r:id="rId13"/>
+    <p:sldId id="354" r:id="rId14"/>
+    <p:sldId id="355" r:id="rId15"/>
+    <p:sldId id="356" r:id="rId16"/>
+    <p:sldId id="357" r:id="rId17"/>
+    <p:sldId id="337" r:id="rId18"/>
+    <p:sldId id="338" r:id="rId19"/>
+    <p:sldId id="339" r:id="rId20"/>
+    <p:sldId id="340" r:id="rId21"/>
+    <p:sldId id="341" r:id="rId22"/>
+    <p:sldId id="375" r:id="rId23"/>
+    <p:sldId id="374" r:id="rId24"/>
+    <p:sldId id="342" r:id="rId25"/>
+    <p:sldId id="371" r:id="rId26"/>
+    <p:sldId id="343" r:id="rId27"/>
+    <p:sldId id="373" r:id="rId28"/>
+    <p:sldId id="344" r:id="rId29"/>
+    <p:sldId id="346" r:id="rId30"/>
+    <p:sldId id="347" r:id="rId31"/>
+    <p:sldId id="475" r:id="rId32"/>
+    <p:sldId id="377" r:id="rId33"/>
+    <p:sldId id="378" r:id="rId34"/>
+    <p:sldId id="383" r:id="rId35"/>
+    <p:sldId id="379" r:id="rId36"/>
+    <p:sldId id="380" r:id="rId37"/>
+    <p:sldId id="381" r:id="rId38"/>
+    <p:sldId id="382" r:id="rId39"/>
+    <p:sldId id="476" r:id="rId40"/>
   </p:sldIdLst>
   <p:sldSz cx="12192000" cy="6858000"/>
   <p:notesSz cx="6858000" cy="9144000"/>
@@ -2799,7 +2796,7 @@
           <a:p>
             <a:fld id="{D1DDE44B-EBB0-415E-812D-999E3329532F}" type="datetimeFigureOut">
               <a:rPr lang="en-US" smtClean="0"/>
-              <a:t>2/27/2022</a:t>
+              <a:t>10/2/2022</a:t>
             </a:fld>
             <a:endParaRPr lang="en-US"/>
           </a:p>
@@ -3215,7 +3212,7 @@
           <a:p>
             <a:fld id="{1FB8DE1D-8E33-4945-8725-E31E97FC6CBB}" type="slidenum">
               <a:rPr lang="en-US" smtClean="0"/>
-              <a:t>26</a:t>
+              <a:t>24</a:t>
             </a:fld>
             <a:endParaRPr lang="en-US"/>
           </a:p>
@@ -3299,7 +3296,7 @@
           <a:p>
             <a:fld id="{1FB8DE1D-8E33-4945-8725-E31E97FC6CBB}" type="slidenum">
               <a:rPr lang="en-US" smtClean="0"/>
-              <a:t>27</a:t>
+              <a:t>25</a:t>
             </a:fld>
             <a:endParaRPr lang="en-US"/>
           </a:p>
@@ -3383,7 +3380,7 @@
           <a:p>
             <a:fld id="{1FB8DE1D-8E33-4945-8725-E31E97FC6CBB}" type="slidenum">
               <a:rPr lang="en-US" smtClean="0"/>
-              <a:t>28</a:t>
+              <a:t>26</a:t>
             </a:fld>
             <a:endParaRPr lang="en-US"/>
           </a:p>
@@ -3467,7 +3464,7 @@
           <a:p>
             <a:fld id="{1FB8DE1D-8E33-4945-8725-E31E97FC6CBB}" type="slidenum">
               <a:rPr lang="en-US" smtClean="0"/>
-              <a:t>29</a:t>
+              <a:t>27</a:t>
             </a:fld>
             <a:endParaRPr lang="en-US"/>
           </a:p>
@@ -3554,7 +3551,7 @@
           <a:p>
             <a:fld id="{1FB8DE1D-8E33-4945-8725-E31E97FC6CBB}" type="slidenum">
               <a:rPr lang="en-US" smtClean="0"/>
-              <a:t>30</a:t>
+              <a:t>28</a:t>
             </a:fld>
             <a:endParaRPr lang="en-US"/>
           </a:p>
@@ -3638,7 +3635,7 @@
           <a:p>
             <a:fld id="{1FB8DE1D-8E33-4945-8725-E31E97FC6CBB}" type="slidenum">
               <a:rPr lang="en-US" smtClean="0"/>
-              <a:t>31</a:t>
+              <a:t>29</a:t>
             </a:fld>
             <a:endParaRPr lang="en-US"/>
           </a:p>
@@ -3733,7 +3730,7 @@
           <a:p>
             <a:fld id="{1FB8DE1D-8E33-4945-8725-E31E97FC6CBB}" type="slidenum">
               <a:rPr lang="en-US" smtClean="0"/>
-              <a:t>32</a:t>
+              <a:t>30</a:t>
             </a:fld>
             <a:endParaRPr lang="en-US"/>
           </a:p>
@@ -3985,7 +3982,7 @@
           <a:p>
             <a:fld id="{1FB8DE1D-8E33-4945-8725-E31E97FC6CBB}" type="slidenum">
               <a:rPr lang="en-US" smtClean="0"/>
-              <a:t>16</a:t>
+              <a:t>15</a:t>
             </a:fld>
             <a:endParaRPr lang="en-US"/>
           </a:p>
@@ -4072,7 +4069,7 @@
           <a:p>
             <a:fld id="{1FB8DE1D-8E33-4945-8725-E31E97FC6CBB}" type="slidenum">
               <a:rPr lang="en-US" smtClean="0"/>
-              <a:t>18</a:t>
+              <a:t>17</a:t>
             </a:fld>
             <a:endParaRPr lang="en-US"/>
           </a:p>
@@ -4196,7 +4193,7 @@
           <a:p>
             <a:fld id="{1FB8DE1D-8E33-4945-8725-E31E97FC6CBB}" type="slidenum">
               <a:rPr lang="en-US" smtClean="0"/>
-              <a:t>19</a:t>
+              <a:t>18</a:t>
             </a:fld>
             <a:endParaRPr lang="en-US"/>
           </a:p>
@@ -4320,7 +4317,7 @@
           <a:p>
             <a:fld id="{1FB8DE1D-8E33-4945-8725-E31E97FC6CBB}" type="slidenum">
               <a:rPr lang="en-US" smtClean="0"/>
-              <a:t>20</a:t>
+              <a:t>19</a:t>
             </a:fld>
             <a:endParaRPr lang="en-US"/>
           </a:p>
@@ -4404,7 +4401,7 @@
           <a:p>
             <a:fld id="{1FB8DE1D-8E33-4945-8725-E31E97FC6CBB}" type="slidenum">
               <a:rPr lang="en-US" smtClean="0"/>
-              <a:t>21</a:t>
+              <a:t>20</a:t>
             </a:fld>
             <a:endParaRPr lang="en-US"/>
           </a:p>
@@ -4526,7 +4523,7 @@
           <a:p>
             <a:fld id="{1FB8DE1D-8E33-4945-8725-E31E97FC6CBB}" type="slidenum">
               <a:rPr lang="en-US" smtClean="0"/>
-              <a:t>22</a:t>
+              <a:t>21</a:t>
             </a:fld>
             <a:endParaRPr lang="en-US"/>
           </a:p>
@@ -4674,7 +4671,7 @@
           <a:p>
             <a:fld id="{1C366A2B-4610-4FB2-B411-A1548BE07C36}" type="datetimeFigureOut">
               <a:rPr lang="en-US" smtClean="0"/>
-              <a:t>2/27/2022</a:t>
+              <a:t>10/2/2022</a:t>
             </a:fld>
             <a:endParaRPr lang="en-US"/>
           </a:p>
@@ -4842,7 +4839,7 @@
           <a:p>
             <a:fld id="{1C366A2B-4610-4FB2-B411-A1548BE07C36}" type="datetimeFigureOut">
               <a:rPr lang="en-US" smtClean="0"/>
-              <a:t>2/27/2022</a:t>
+              <a:t>10/2/2022</a:t>
             </a:fld>
             <a:endParaRPr lang="en-US"/>
           </a:p>
@@ -5020,7 +5017,7 @@
           <a:p>
             <a:fld id="{1C366A2B-4610-4FB2-B411-A1548BE07C36}" type="datetimeFigureOut">
               <a:rPr lang="en-US" smtClean="0"/>
-              <a:t>2/27/2022</a:t>
+              <a:t>10/2/2022</a:t>
             </a:fld>
             <a:endParaRPr lang="en-US"/>
           </a:p>
@@ -5188,7 +5185,7 @@
           <a:p>
             <a:fld id="{1C366A2B-4610-4FB2-B411-A1548BE07C36}" type="datetimeFigureOut">
               <a:rPr lang="en-US" smtClean="0"/>
-              <a:t>2/27/2022</a:t>
+              <a:t>10/2/2022</a:t>
             </a:fld>
             <a:endParaRPr lang="en-US"/>
           </a:p>
@@ -5433,7 +5430,7 @@
           <a:p>
             <a:fld id="{1C366A2B-4610-4FB2-B411-A1548BE07C36}" type="datetimeFigureOut">
               <a:rPr lang="en-US" smtClean="0"/>
-              <a:t>2/27/2022</a:t>
+              <a:t>10/2/2022</a:t>
             </a:fld>
             <a:endParaRPr lang="en-US"/>
           </a:p>
@@ -5662,7 +5659,7 @@
           <a:p>
             <a:fld id="{1C366A2B-4610-4FB2-B411-A1548BE07C36}" type="datetimeFigureOut">
               <a:rPr lang="en-US" smtClean="0"/>
-              <a:t>2/27/2022</a:t>
+              <a:t>10/2/2022</a:t>
             </a:fld>
             <a:endParaRPr lang="en-US"/>
           </a:p>
@@ -6026,7 +6023,7 @@
           <a:p>
             <a:fld id="{1C366A2B-4610-4FB2-B411-A1548BE07C36}" type="datetimeFigureOut">
               <a:rPr lang="en-US" smtClean="0"/>
-              <a:t>2/27/2022</a:t>
+              <a:t>10/2/2022</a:t>
             </a:fld>
             <a:endParaRPr lang="en-US"/>
           </a:p>
@@ -6143,7 +6140,7 @@
           <a:p>
             <a:fld id="{1C366A2B-4610-4FB2-B411-A1548BE07C36}" type="datetimeFigureOut">
               <a:rPr lang="en-US" smtClean="0"/>
-              <a:t>2/27/2022</a:t>
+              <a:t>10/2/2022</a:t>
             </a:fld>
             <a:endParaRPr lang="en-US"/>
           </a:p>
@@ -6238,7 +6235,7 @@
           <a:p>
             <a:fld id="{1C366A2B-4610-4FB2-B411-A1548BE07C36}" type="datetimeFigureOut">
               <a:rPr lang="en-US" smtClean="0"/>
-              <a:t>2/27/2022</a:t>
+              <a:t>10/2/2022</a:t>
             </a:fld>
             <a:endParaRPr lang="en-US"/>
           </a:p>
@@ -6513,7 +6510,7 @@
           <a:p>
             <a:fld id="{1C366A2B-4610-4FB2-B411-A1548BE07C36}" type="datetimeFigureOut">
               <a:rPr lang="en-US" smtClean="0"/>
-              <a:t>2/27/2022</a:t>
+              <a:t>10/2/2022</a:t>
             </a:fld>
             <a:endParaRPr lang="en-US"/>
           </a:p>
@@ -6765,7 +6762,7 @@
           <a:p>
             <a:fld id="{1C366A2B-4610-4FB2-B411-A1548BE07C36}" type="datetimeFigureOut">
               <a:rPr lang="en-US" smtClean="0"/>
-              <a:t>2/27/2022</a:t>
+              <a:t>10/2/2022</a:t>
             </a:fld>
             <a:endParaRPr lang="en-US"/>
           </a:p>
@@ -6976,7 +6973,7 @@
           <a:p>
             <a:fld id="{1C366A2B-4610-4FB2-B411-A1548BE07C36}" type="datetimeFigureOut">
               <a:rPr lang="en-US" smtClean="0"/>
-              <a:t>2/27/2022</a:t>
+              <a:t>10/2/2022</a:t>
             </a:fld>
             <a:endParaRPr lang="en-US"/>
           </a:p>
@@ -7484,270 +7481,6 @@
 <file path=ppt/slides/slide10.xml><?xml version="1.0" encoding="utf-8"?>
 <p:sld xmlns:a="http://schemas.openxmlformats.org/drawingml/2006/main" xmlns:r="http://schemas.openxmlformats.org/officeDocument/2006/relationships" xmlns:p="http://schemas.openxmlformats.org/presentationml/2006/main">
   <p:cSld>
-    <p:bg>
-      <p:bgPr>
-        <a:solidFill>
-          <a:schemeClr val="bg1"/>
-        </a:solidFill>
-        <a:effectLst/>
-      </p:bgPr>
-    </p:bg>
-    <p:spTree>
-      <p:nvGrpSpPr>
-        <p:cNvPr id="1" name=""/>
-        <p:cNvGrpSpPr/>
-        <p:nvPr/>
-      </p:nvGrpSpPr>
-      <p:grpSpPr>
-        <a:xfrm>
-          <a:off x="0" y="0"/>
-          <a:ext cx="0" cy="0"/>
-          <a:chOff x="0" y="0"/>
-          <a:chExt cx="0" cy="0"/>
-        </a:xfrm>
-      </p:grpSpPr>
-      <p:sp>
-        <p:nvSpPr>
-          <p:cNvPr id="10" name="Rectangle 9">
-            <a:extLst>
-              <a:ext uri="{FF2B5EF4-FFF2-40B4-BE49-F238E27FC236}">
-                <a16:creationId xmlns:a16="http://schemas.microsoft.com/office/drawing/2014/main" id="{81AEB8A9-B768-4E30-BA55-D919E6687343}"/>
-              </a:ext>
-              <a:ext uri="{C183D7F6-B498-43B3-948B-1728B52AA6E4}">
-                <adec:decorative xmlns:adec="http://schemas.microsoft.com/office/drawing/2017/decorative" val="1"/>
-              </a:ext>
-            </a:extLst>
-          </p:cNvPr>
-          <p:cNvSpPr>
-            <a:spLocks noGrp="1" noRot="1" noChangeAspect="1" noMove="1" noResize="1" noEditPoints="1" noAdjustHandles="1" noChangeArrowheads="1" noChangeShapeType="1" noTextEdit="1"/>
-          </p:cNvSpPr>
-          <p:nvPr>
-            <p:extLst>
-              <p:ext uri="{386F3935-93C4-4BCD-93E2-E3B085C9AB24}">
-                <p16:designElem xmlns:p16="http://schemas.microsoft.com/office/powerpoint/2015/main" val="1"/>
-              </p:ext>
-            </p:extLst>
-          </p:nvPr>
-        </p:nvSpPr>
-        <p:spPr>
-          <a:xfrm>
-            <a:off x="-10001" y="-2"/>
-            <a:ext cx="4069936" cy="6858002"/>
-          </a:xfrm>
-          <a:prstGeom prst="rect">
-            <a:avLst/>
-          </a:prstGeom>
-          <a:solidFill>
-            <a:schemeClr val="accent1"/>
-          </a:solidFill>
-          <a:ln>
-            <a:noFill/>
-          </a:ln>
-        </p:spPr>
-        <p:style>
-          <a:lnRef idx="2">
-            <a:schemeClr val="accent1">
-              <a:shade val="50000"/>
-            </a:schemeClr>
-          </a:lnRef>
-          <a:fillRef idx="1">
-            <a:schemeClr val="accent1"/>
-          </a:fillRef>
-          <a:effectRef idx="0">
-            <a:schemeClr val="accent1"/>
-          </a:effectRef>
-          <a:fontRef idx="minor">
-            <a:schemeClr val="lt1"/>
-          </a:fontRef>
-        </p:style>
-        <p:txBody>
-          <a:bodyPr rtlCol="0" anchor="ctr"/>
-          <a:lstStyle/>
-          <a:p>
-            <a:pPr marL="0" marR="0" lvl="0" indent="0" algn="ctr" defTabSz="914400" rtl="0" eaLnBrk="1" fontAlgn="auto" latinLnBrk="0" hangingPunct="1">
-              <a:lnSpc>
-                <a:spcPct val="100000"/>
-              </a:lnSpc>
-              <a:spcBef>
-                <a:spcPts val="0"/>
-              </a:spcBef>
-              <a:spcAft>
-                <a:spcPts val="0"/>
-              </a:spcAft>
-              <a:buClrTx/>
-              <a:buSzTx/>
-              <a:buFontTx/>
-              <a:buNone/>
-              <a:tabLst/>
-              <a:defRPr/>
-            </a:pPr>
-            <a:endParaRPr kumimoji="0" lang="en-US" sz="1800" b="0" i="0" u="none" strike="noStrike" kern="1200" cap="none" spc="0" normalizeH="0" baseline="0" noProof="0">
-              <a:ln>
-                <a:noFill/>
-              </a:ln>
-              <a:solidFill>
-                <a:prstClr val="white"/>
-              </a:solidFill>
-              <a:effectLst/>
-              <a:uLnTx/>
-              <a:uFillTx/>
-              <a:latin typeface="Calibri" panose="020F0502020204030204"/>
-              <a:ea typeface="+mn-ea"/>
-              <a:cs typeface="+mn-cs"/>
-            </a:endParaRPr>
-          </a:p>
-        </p:txBody>
-      </p:sp>
-      <p:sp>
-        <p:nvSpPr>
-          <p:cNvPr id="2" name="Title 1"/>
-          <p:cNvSpPr>
-            <a:spLocks noGrp="1"/>
-          </p:cNvSpPr>
-          <p:nvPr>
-            <p:ph type="title"/>
-          </p:nvPr>
-        </p:nvSpPr>
-        <p:spPr>
-          <a:xfrm>
-            <a:off x="643467" y="640080"/>
-            <a:ext cx="3096427" cy="5613236"/>
-          </a:xfrm>
-        </p:spPr>
-        <p:txBody>
-          <a:bodyPr anchor="ctr">
-            <a:normAutofit/>
-          </a:bodyPr>
-          <a:lstStyle/>
-          <a:p>
-            <a:r>
-              <a:rPr lang="en-US">
-                <a:solidFill>
-                  <a:srgbClr val="FFFFFF"/>
-                </a:solidFill>
-              </a:rPr>
-              <a:t>Linear model selection</a:t>
-            </a:r>
-          </a:p>
-        </p:txBody>
-      </p:sp>
-      <p:sp>
-        <p:nvSpPr>
-          <p:cNvPr id="3" name="Content Placeholder 2"/>
-          <p:cNvSpPr>
-            <a:spLocks noGrp="1"/>
-          </p:cNvSpPr>
-          <p:nvPr>
-            <p:ph idx="1"/>
-          </p:nvPr>
-        </p:nvSpPr>
-        <p:spPr>
-          <a:xfrm>
-            <a:off x="4699818" y="640082"/>
-            <a:ext cx="6848715" cy="2484884"/>
-          </a:xfrm>
-        </p:spPr>
-        <p:txBody>
-          <a:bodyPr anchor="ctr">
-            <a:normAutofit/>
-          </a:bodyPr>
-          <a:lstStyle/>
-          <a:p>
-            <a:r>
-              <a:rPr lang="en-US" sz="2000" dirty="0"/>
-              <a:t>Answers the question:</a:t>
-            </a:r>
-          </a:p>
-          <a:p>
-            <a:pPr lvl="1"/>
-            <a:r>
-              <a:rPr lang="en-US" sz="2000" dirty="0"/>
-              <a:t>Which variables should be included in the model?</a:t>
-            </a:r>
-          </a:p>
-          <a:p>
-            <a:r>
-              <a:rPr lang="en-US" sz="2000" dirty="0"/>
-              <a:t>One of the simplest such procedures is the forward stepwise selection algorithm (See ISLR 6.1.2):</a:t>
-            </a:r>
-          </a:p>
-          <a:p>
-            <a:r>
-              <a:rPr lang="en-US" sz="2000" dirty="0"/>
-              <a:t>For diabetes data set, this procedure selects </a:t>
-            </a:r>
-            <a:r>
-              <a:rPr lang="nl-NL" sz="2000" dirty="0"/>
-              <a:t>age, bmi, map, tc, ltg, and glu as the most important variable with estimated test error of </a:t>
-            </a:r>
-            <a:r>
-              <a:rPr lang="is-IS" sz="2000" b="1" dirty="0"/>
-              <a:t>3324</a:t>
-            </a:r>
-            <a:endParaRPr lang="en-US" sz="2000" b="1" dirty="0"/>
-          </a:p>
-          <a:p>
-            <a:pPr marL="914400" lvl="1" indent="-457200">
-              <a:buFont typeface="+mj-lt"/>
-              <a:buAutoNum type="arabicPeriod"/>
-            </a:pPr>
-            <a:endParaRPr lang="en-US" sz="2000" dirty="0"/>
-          </a:p>
-          <a:p>
-            <a:pPr marL="914400" lvl="1" indent="-457200">
-              <a:buFont typeface="+mj-lt"/>
-              <a:buAutoNum type="arabicPeriod"/>
-            </a:pPr>
-            <a:endParaRPr lang="en-US" sz="2000" dirty="0"/>
-          </a:p>
-        </p:txBody>
-      </p:sp>
-      <p:pic>
-        <p:nvPicPr>
-          <p:cNvPr id="5" name="Picture 4">
-            <a:extLst>
-              <a:ext uri="{FF2B5EF4-FFF2-40B4-BE49-F238E27FC236}">
-                <a16:creationId xmlns:a16="http://schemas.microsoft.com/office/drawing/2014/main" id="{1D284A8E-AB04-4C4E-9A0F-EE1C646D8D2A}"/>
-              </a:ext>
-            </a:extLst>
-          </p:cNvPr>
-          <p:cNvPicPr>
-            <a:picLocks noChangeAspect="1"/>
-          </p:cNvPicPr>
-          <p:nvPr/>
-        </p:nvPicPr>
-        <p:blipFill>
-          <a:blip r:embed="rId2"/>
-          <a:stretch>
-            <a:fillRect/>
-          </a:stretch>
-        </p:blipFill>
-        <p:spPr>
-          <a:xfrm>
-            <a:off x="4312023" y="2966693"/>
-            <a:ext cx="7557247" cy="3438547"/>
-          </a:xfrm>
-          <a:prstGeom prst="rect">
-            <a:avLst/>
-          </a:prstGeom>
-        </p:spPr>
-      </p:pic>
-    </p:spTree>
-    <p:extLst>
-      <p:ext uri="{BB962C8B-B14F-4D97-AF65-F5344CB8AC3E}">
-        <p14:creationId xmlns:p14="http://schemas.microsoft.com/office/powerpoint/2010/main" val="1372749821"/>
-      </p:ext>
-    </p:extLst>
-  </p:cSld>
-  <p:clrMapOvr>
-    <a:masterClrMapping/>
-  </p:clrMapOvr>
-</p:sld>
-</file>
-
-<file path=ppt/slides/slide11.xml><?xml version="1.0" encoding="utf-8"?>
-<p:sld xmlns:a="http://schemas.openxmlformats.org/drawingml/2006/main" xmlns:r="http://schemas.openxmlformats.org/officeDocument/2006/relationships" xmlns:p="http://schemas.openxmlformats.org/presentationml/2006/main">
-  <p:cSld>
     <p:spTree>
       <p:nvGrpSpPr>
         <p:cNvPr id="1" name=""/>
@@ -7841,13 +7574,13 @@
                 </a14:m>
                 <a:r>
                   <a:rPr lang="en-US" dirty="0"/>
-                  <a:t> would change if we estimated it using a different training data set.</a:t>
+                  <a:t> would change if we estimated it using a different training data set (see ISLR page 34).</a:t>
                 </a:r>
               </a:p>
               <a:p>
                 <a:r>
                   <a:rPr lang="en-US" dirty="0"/>
-                  <a:t>Bias refers to the error that is introduced by approximating a real-life problem, which may be extremely complicated, by a much simpler model. </a:t>
+                  <a:t>Bias refers to the error that is introduced by approximating a real-life problem, which may be extremely complicated, by a much simpler model (see ISLR page 35).</a:t>
                 </a:r>
               </a:p>
               <a:p>
@@ -7873,7 +7606,7 @@
               <a:p>
                 <a:r>
                   <a:rPr lang="en-US" sz="1800" i="1" dirty="0"/>
-                  <a:t>See ISLR equation 2.7 and supporting test for more information</a:t>
+                  <a:t>Also see ISLR equation 2.7 along with the equation supporting information for more information</a:t>
                 </a:r>
               </a:p>
               <a:p>
@@ -7935,7 +7668,7 @@
 </p:sld>
 </file>
 
-<file path=ppt/slides/slide12.xml><?xml version="1.0" encoding="utf-8"?>
+<file path=ppt/slides/slide11.xml><?xml version="1.0" encoding="utf-8"?>
 <p:sld xmlns:a="http://schemas.openxmlformats.org/drawingml/2006/main" xmlns:r="http://schemas.openxmlformats.org/officeDocument/2006/relationships" xmlns:p="http://schemas.openxmlformats.org/presentationml/2006/main">
   <p:cSld>
     <p:spTree>
@@ -8027,7 +7760,7 @@
         <p:spPr>
           <a:xfrm>
             <a:off x="527538" y="1512277"/>
-            <a:ext cx="3886200" cy="4247317"/>
+            <a:ext cx="3886200" cy="4801314"/>
           </a:xfrm>
           <a:prstGeom prst="rect">
             <a:avLst/>
@@ -8046,7 +7779,7 @@
             </a:pPr>
             <a:r>
               <a:rPr lang="en-US" dirty="0"/>
-              <a:t>High bias: Straight orange line in the left hand plot.</a:t>
+              <a:t>High bias: Straight orange line in the lefthand plot.</a:t>
             </a:r>
           </a:p>
           <a:p>
@@ -8086,7 +7819,17 @@
             </a:pPr>
             <a:r>
               <a:rPr lang="en-US" dirty="0"/>
-              <a:t>Overfitting happens as the gray line decreases while the red line increases in the right hand plot. </a:t>
+              <a:t>Overfitting happens as the gray line decreases while the red line increases in the righthand plot. </a:t>
+            </a:r>
+          </a:p>
+          <a:p>
+            <a:pPr marL="285750" indent="-285750">
+              <a:buFont typeface="Arial" panose="020B0604020202020204" pitchFamily="34" charset="0"/>
+              <a:buChar char="•"/>
+            </a:pPr>
+            <a:r>
+              <a:rPr lang="en-US" dirty="0"/>
+              <a:t>Plots to the right are copied from the ISLR textbook.</a:t>
             </a:r>
           </a:p>
         </p:txBody>
@@ -8095,6 +7838,96 @@
     <p:extLst>
       <p:ext uri="{BB962C8B-B14F-4D97-AF65-F5344CB8AC3E}">
         <p14:creationId xmlns:p14="http://schemas.microsoft.com/office/powerpoint/2010/main" val="295806708"/>
+      </p:ext>
+    </p:extLst>
+  </p:cSld>
+  <p:clrMapOvr>
+    <a:masterClrMapping/>
+  </p:clrMapOvr>
+</p:sld>
+</file>
+
+<file path=ppt/slides/slide12.xml><?xml version="1.0" encoding="utf-8"?>
+<p:sld xmlns:a="http://schemas.openxmlformats.org/drawingml/2006/main" xmlns:r="http://schemas.openxmlformats.org/officeDocument/2006/relationships" xmlns:p="http://schemas.openxmlformats.org/presentationml/2006/main">
+  <p:cSld>
+    <p:spTree>
+      <p:nvGrpSpPr>
+        <p:cNvPr id="1" name=""/>
+        <p:cNvGrpSpPr/>
+        <p:nvPr/>
+      </p:nvGrpSpPr>
+      <p:grpSpPr>
+        <a:xfrm>
+          <a:off x="0" y="0"/>
+          <a:ext cx="0" cy="0"/>
+          <a:chOff x="0" y="0"/>
+          <a:chExt cx="0" cy="0"/>
+        </a:xfrm>
+      </p:grpSpPr>
+      <p:sp>
+        <p:nvSpPr>
+          <p:cNvPr id="2" name="Title 1"/>
+          <p:cNvSpPr>
+            <a:spLocks noGrp="1"/>
+          </p:cNvSpPr>
+          <p:nvPr>
+            <p:ph type="title"/>
+          </p:nvPr>
+        </p:nvSpPr>
+        <p:spPr/>
+        <p:txBody>
+          <a:bodyPr/>
+          <a:lstStyle/>
+          <a:p>
+            <a:r>
+              <a:rPr lang="en-US" dirty="0"/>
+              <a:t>The Bias-Variance decomposition</a:t>
+            </a:r>
+          </a:p>
+        </p:txBody>
+      </p:sp>
+      <p:sp>
+        <p:nvSpPr>
+          <p:cNvPr id="3" name="Content Placeholder 2"/>
+          <p:cNvSpPr>
+            <a:spLocks noGrp="1"/>
+          </p:cNvSpPr>
+          <p:nvPr>
+            <p:ph idx="1"/>
+          </p:nvPr>
+        </p:nvSpPr>
+        <p:spPr/>
+        <p:txBody>
+          <a:bodyPr/>
+          <a:lstStyle/>
+          <a:p>
+            <a:r>
+              <a:rPr lang="en-US" dirty="0"/>
+              <a:t>In general, more complex models have low bias and high variance</a:t>
+            </a:r>
+          </a:p>
+          <a:p>
+            <a:r>
+              <a:rPr lang="en-US" dirty="0"/>
+              <a:t>Vice versa, simple models have high bias and low variance</a:t>
+            </a:r>
+          </a:p>
+          <a:p>
+            <a:r>
+              <a:rPr lang="en-US" dirty="0"/>
+              <a:t>This is a </a:t>
+            </a:r>
+            <a:r>
+              <a:rPr lang="en-US" b="1" dirty="0"/>
+              <a:t>fundamental tradeoff</a:t>
+            </a:r>
+          </a:p>
+        </p:txBody>
+      </p:sp>
+    </p:spTree>
+    <p:extLst>
+      <p:ext uri="{BB962C8B-B14F-4D97-AF65-F5344CB8AC3E}">
+        <p14:creationId xmlns:p14="http://schemas.microsoft.com/office/powerpoint/2010/main" val="696142338"/>
       </p:ext>
     </p:extLst>
   </p:cSld>
@@ -8138,7 +7971,7 @@
           <a:p>
             <a:r>
               <a:rPr lang="en-US" dirty="0"/>
-              <a:t>The Bias-Variance decomposition</a:t>
+              <a:t>The Bias-Variance decomposition (2)</a:t>
             </a:r>
           </a:p>
         </p:txBody>
@@ -8160,96 +7993,6 @@
           <a:p>
             <a:r>
               <a:rPr lang="en-US" dirty="0"/>
-              <a:t>In general, more complex models have low bias and high variance</a:t>
-            </a:r>
-          </a:p>
-          <a:p>
-            <a:r>
-              <a:rPr lang="en-US" dirty="0"/>
-              <a:t>Vice versa, simple models have high bias and low variance</a:t>
-            </a:r>
-          </a:p>
-          <a:p>
-            <a:r>
-              <a:rPr lang="en-US" dirty="0"/>
-              <a:t>This is a </a:t>
-            </a:r>
-            <a:r>
-              <a:rPr lang="en-US" b="1" dirty="0"/>
-              <a:t>fundamental tradeoff</a:t>
-            </a:r>
-          </a:p>
-        </p:txBody>
-      </p:sp>
-    </p:spTree>
-    <p:extLst>
-      <p:ext uri="{BB962C8B-B14F-4D97-AF65-F5344CB8AC3E}">
-        <p14:creationId xmlns:p14="http://schemas.microsoft.com/office/powerpoint/2010/main" val="696142338"/>
-      </p:ext>
-    </p:extLst>
-  </p:cSld>
-  <p:clrMapOvr>
-    <a:masterClrMapping/>
-  </p:clrMapOvr>
-</p:sld>
-</file>
-
-<file path=ppt/slides/slide14.xml><?xml version="1.0" encoding="utf-8"?>
-<p:sld xmlns:a="http://schemas.openxmlformats.org/drawingml/2006/main" xmlns:r="http://schemas.openxmlformats.org/officeDocument/2006/relationships" xmlns:p="http://schemas.openxmlformats.org/presentationml/2006/main">
-  <p:cSld>
-    <p:spTree>
-      <p:nvGrpSpPr>
-        <p:cNvPr id="1" name=""/>
-        <p:cNvGrpSpPr/>
-        <p:nvPr/>
-      </p:nvGrpSpPr>
-      <p:grpSpPr>
-        <a:xfrm>
-          <a:off x="0" y="0"/>
-          <a:ext cx="0" cy="0"/>
-          <a:chOff x="0" y="0"/>
-          <a:chExt cx="0" cy="0"/>
-        </a:xfrm>
-      </p:grpSpPr>
-      <p:sp>
-        <p:nvSpPr>
-          <p:cNvPr id="2" name="Title 1"/>
-          <p:cNvSpPr>
-            <a:spLocks noGrp="1"/>
-          </p:cNvSpPr>
-          <p:nvPr>
-            <p:ph type="title"/>
-          </p:nvPr>
-        </p:nvSpPr>
-        <p:spPr/>
-        <p:txBody>
-          <a:bodyPr/>
-          <a:lstStyle/>
-          <a:p>
-            <a:r>
-              <a:rPr lang="en-US" dirty="0"/>
-              <a:t>The Bias-Variance decomposition (2)</a:t>
-            </a:r>
-          </a:p>
-        </p:txBody>
-      </p:sp>
-      <p:sp>
-        <p:nvSpPr>
-          <p:cNvPr id="3" name="Content Placeholder 2"/>
-          <p:cNvSpPr>
-            <a:spLocks noGrp="1"/>
-          </p:cNvSpPr>
-          <p:nvPr>
-            <p:ph idx="1"/>
-          </p:nvPr>
-        </p:nvSpPr>
-        <p:spPr/>
-        <p:txBody>
-          <a:bodyPr/>
-          <a:lstStyle/>
-          <a:p>
-            <a:r>
-              <a:rPr lang="en-US" dirty="0"/>
               <a:t>An example with the diabetes dataset</a:t>
             </a:r>
           </a:p>
@@ -8414,7 +8157,7 @@
 </p:sld>
 </file>
 
-<file path=ppt/slides/slide15.xml><?xml version="1.0" encoding="utf-8"?>
+<file path=ppt/slides/slide14.xml><?xml version="1.0" encoding="utf-8"?>
 <p:sld xmlns:a="http://schemas.openxmlformats.org/drawingml/2006/main" xmlns:r="http://schemas.openxmlformats.org/officeDocument/2006/relationships" xmlns:p="http://schemas.openxmlformats.org/presentationml/2006/main">
   <p:cSld>
     <p:spTree>
@@ -8691,7 +8434,7 @@
 </p:sld>
 </file>
 
-<file path=ppt/slides/slide16.xml><?xml version="1.0" encoding="utf-8"?>
+<file path=ppt/slides/slide15.xml><?xml version="1.0" encoding="utf-8"?>
 <p:sld xmlns:a="http://schemas.openxmlformats.org/drawingml/2006/main" xmlns:r="http://schemas.openxmlformats.org/officeDocument/2006/relationships" xmlns:p="http://schemas.openxmlformats.org/presentationml/2006/main">
   <p:cSld>
     <p:spTree>
@@ -8855,7 +8598,7 @@
 </p:sld>
 </file>
 
-<file path=ppt/slides/slide17.xml><?xml version="1.0" encoding="utf-8"?>
+<file path=ppt/slides/slide16.xml><?xml version="1.0" encoding="utf-8"?>
 <p:sld xmlns:a="http://schemas.openxmlformats.org/drawingml/2006/main" xmlns:r="http://schemas.openxmlformats.org/officeDocument/2006/relationships" xmlns:p="http://schemas.openxmlformats.org/presentationml/2006/main">
   <p:cSld>
     <p:spTree>
@@ -8921,7 +8664,7 @@
             </p:spPr>
             <p:txBody>
               <a:bodyPr>
-                <a:normAutofit fontScale="70000" lnSpcReduction="20000"/>
+                <a:normAutofit fontScale="85000" lnSpcReduction="20000"/>
               </a:bodyPr>
               <a:lstStyle/>
               <a:p>
@@ -8931,189 +8674,13 @@
                 </a:r>
               </a:p>
               <a:p>
-                <a:pPr lvl="1">
-                  <a:spcAft>
-                    <a:spcPts val="600"/>
-                  </a:spcAft>
-                </a:pPr>
-                <a14:m>
-                  <m:oMath xmlns:m="http://schemas.openxmlformats.org/officeDocument/2006/math">
-                    <m:sSub>
-                      <m:sSubPr>
-                        <m:ctrlPr>
-                          <a:rPr lang="en-US" b="0" i="1" smtClean="0">
-                            <a:latin typeface="Cambria Math" panose="02040503050406030204" pitchFamily="18" charset="0"/>
-                          </a:rPr>
-                        </m:ctrlPr>
-                      </m:sSubPr>
-                      <m:e>
-                        <m:r>
-                          <a:rPr lang="en-US" b="0" i="1" smtClean="0">
-                            <a:latin typeface="Cambria Math" panose="02040503050406030204" pitchFamily="18" charset="0"/>
-                          </a:rPr>
-                          <m:t>𝑇𝑒𝑠𝑡</m:t>
-                        </m:r>
-                      </m:e>
-                      <m:sub>
-                        <m:r>
-                          <a:rPr lang="en-US" b="0" i="1" smtClean="0">
-                            <a:latin typeface="Cambria Math" panose="02040503050406030204" pitchFamily="18" charset="0"/>
-                          </a:rPr>
-                          <m:t>𝑀𝑆𝐸</m:t>
-                        </m:r>
-                      </m:sub>
-                    </m:sSub>
-                    <m:r>
-                      <a:rPr lang="en-US" b="0" i="1" smtClean="0">
-                        <a:latin typeface="Cambria Math" charset="0"/>
-                      </a:rPr>
-                      <m:t>=</m:t>
-                    </m:r>
-                    <m:r>
-                      <a:rPr lang="en-US" b="0" i="1" smtClean="0">
-                        <a:latin typeface="Cambria Math" charset="0"/>
-                      </a:rPr>
-                      <m:t>𝐸</m:t>
-                    </m:r>
-                    <m:r>
-                      <a:rPr lang="en-US" b="0" i="1" smtClean="0">
-                        <a:latin typeface="Cambria Math" charset="0"/>
-                      </a:rPr>
-                      <m:t>[</m:t>
-                    </m:r>
-                    <m:sSup>
-                      <m:sSupPr>
-                        <m:ctrlPr>
-                          <a:rPr lang="en-US" i="1">
-                            <a:latin typeface="Cambria Math" panose="02040503050406030204" pitchFamily="18" charset="0"/>
-                          </a:rPr>
-                        </m:ctrlPr>
-                      </m:sSupPr>
-                      <m:e>
-                        <m:d>
-                          <m:dPr>
-                            <m:ctrlPr>
-                              <a:rPr lang="en-US" i="1">
-                                <a:latin typeface="Cambria Math" panose="02040503050406030204" pitchFamily="18" charset="0"/>
-                              </a:rPr>
-                            </m:ctrlPr>
-                          </m:dPr>
-                          <m:e>
-                            <m:sSub>
-                              <m:sSubPr>
-                                <m:ctrlPr>
-                                  <a:rPr lang="en-US" i="1" smtClean="0">
-                                    <a:latin typeface="Cambria Math" panose="02040503050406030204" pitchFamily="18" charset="0"/>
-                                  </a:rPr>
-                                </m:ctrlPr>
-                              </m:sSubPr>
-                              <m:e>
-                                <m:r>
-                                  <a:rPr lang="en-US" b="0" i="1" smtClean="0">
-                                    <a:latin typeface="Cambria Math" panose="02040503050406030204" pitchFamily="18" charset="0"/>
-                                  </a:rPr>
-                                  <m:t>𝑦</m:t>
-                                </m:r>
-                              </m:e>
-                              <m:sub>
-                                <m:r>
-                                  <a:rPr lang="en-US" b="0" i="1" smtClean="0">
-                                    <a:latin typeface="Cambria Math" panose="02040503050406030204" pitchFamily="18" charset="0"/>
-                                  </a:rPr>
-                                  <m:t>0</m:t>
-                                </m:r>
-                              </m:sub>
-                            </m:sSub>
-                            <m:r>
-                              <a:rPr lang="en-US" i="1">
-                                <a:latin typeface="Cambria Math" charset="0"/>
-                              </a:rPr>
-                              <m:t>−</m:t>
-                            </m:r>
-                            <m:acc>
-                              <m:accPr>
-                                <m:chr m:val="̂"/>
-                                <m:ctrlPr>
-                                  <a:rPr lang="en-US" i="1">
-                                    <a:latin typeface="Cambria Math" panose="02040503050406030204" pitchFamily="18" charset="0"/>
-                                  </a:rPr>
-                                </m:ctrlPr>
-                              </m:accPr>
-                              <m:e>
-                                <m:r>
-                                  <a:rPr lang="en-US" i="1">
-                                    <a:latin typeface="Cambria Math" charset="0"/>
-                                  </a:rPr>
-                                  <m:t>𝑓</m:t>
-                                </m:r>
-                              </m:e>
-                            </m:acc>
-                            <m:d>
-                              <m:dPr>
-                                <m:ctrlPr>
-                                  <a:rPr lang="en-US" i="1">
-                                    <a:latin typeface="Cambria Math" panose="02040503050406030204" pitchFamily="18" charset="0"/>
-                                  </a:rPr>
-                                </m:ctrlPr>
-                              </m:dPr>
-                              <m:e>
-                                <m:sSub>
-                                  <m:sSubPr>
-                                    <m:ctrlPr>
-                                      <a:rPr lang="en-US" i="1">
-                                        <a:latin typeface="Cambria Math" panose="02040503050406030204" pitchFamily="18" charset="0"/>
-                                      </a:rPr>
-                                    </m:ctrlPr>
-                                  </m:sSubPr>
-                                  <m:e>
-                                    <m:r>
-                                      <a:rPr lang="en-US" i="1">
-                                        <a:latin typeface="Cambria Math" charset="0"/>
-                                      </a:rPr>
-                                      <m:t>𝑥</m:t>
-                                    </m:r>
-                                  </m:e>
-                                  <m:sub>
-                                    <m:r>
-                                      <a:rPr lang="en-US" i="1">
-                                        <a:latin typeface="Cambria Math" charset="0"/>
-                                      </a:rPr>
-                                      <m:t>0</m:t>
-                                    </m:r>
-                                  </m:sub>
-                                </m:sSub>
-                              </m:e>
-                            </m:d>
-                          </m:e>
-                        </m:d>
-                      </m:e>
-                      <m:sup>
-                        <m:r>
-                          <a:rPr lang="en-US" i="1">
-                            <a:latin typeface="Cambria Math" charset="0"/>
-                          </a:rPr>
-                          <m:t>2</m:t>
-                        </m:r>
-                      </m:sup>
-                    </m:sSup>
-                    <m:r>
-                      <a:rPr lang="en-US" b="0" i="1" smtClean="0">
-                        <a:latin typeface="Cambria Math" charset="0"/>
-                      </a:rPr>
-                      <m:t>]</m:t>
-                    </m:r>
-                  </m:oMath>
-                </a14:m>
-                <a:endParaRPr lang="en-US" b="0" dirty="0"/>
-              </a:p>
-              <a:p>
                 <a:pPr lvl="1"/>
                 <a14:m>
                   <m:oMath xmlns:m="http://schemas.openxmlformats.org/officeDocument/2006/math">
                     <m:sSub>
                       <m:sSubPr>
                         <m:ctrlPr>
-                          <a:rPr lang="en-US" i="1" smtClean="0">
+                          <a:rPr lang="en-US" i="1">
                             <a:latin typeface="Cambria Math" panose="02040503050406030204" pitchFamily="18" charset="0"/>
                           </a:rPr>
                         </m:ctrlPr>
@@ -9136,39 +8703,39 @@
                       </m:sub>
                     </m:sSub>
                     <m:r>
-                      <a:rPr lang="en-US" i="1">
+                      <a:rPr lang="en-US" b="0" i="1" smtClean="0">
                         <a:latin typeface="Cambria Math" charset="0"/>
                       </a:rPr>
                       <m:t>=</m:t>
                     </m:r>
-                    <m:sSup>
-                      <m:sSupPr>
+                    <m:r>
+                      <a:rPr lang="en-US" i="1">
+                        <a:latin typeface="Cambria Math" charset="0"/>
+                      </a:rPr>
+                      <m:t>𝐸</m:t>
+                    </m:r>
+                    <m:d>
+                      <m:dPr>
+                        <m:begChr m:val="["/>
+                        <m:endChr m:val="]"/>
                         <m:ctrlPr>
                           <a:rPr lang="en-US" i="1">
-                            <a:latin typeface="Cambria Math" panose="02040503050406030204" pitchFamily="18" charset="0"/>
+                            <a:latin typeface="Cambria Math" charset="0"/>
                           </a:rPr>
                         </m:ctrlPr>
-                      </m:sSupPr>
+                      </m:dPr>
                       <m:e>
-                        <m:d>
-                          <m:dPr>
+                        <m:sSup>
+                          <m:sSupPr>
                             <m:ctrlPr>
                               <a:rPr lang="en-US" i="1">
                                 <a:latin typeface="Cambria Math" panose="02040503050406030204" pitchFamily="18" charset="0"/>
                               </a:rPr>
                             </m:ctrlPr>
-                          </m:dPr>
+                          </m:sSupPr>
                           <m:e>
-                            <m:r>
-                              <a:rPr lang="en-US" i="1">
-                                <a:latin typeface="Cambria Math" charset="0"/>
-                              </a:rPr>
-                              <m:t>𝐸</m:t>
-                            </m:r>
                             <m:d>
                               <m:dPr>
-                                <m:begChr m:val="["/>
-                                <m:endChr m:val="]"/>
                                 <m:ctrlPr>
                                   <a:rPr lang="en-US" i="1">
                                     <a:latin typeface="Cambria Math" panose="02040503050406030204" pitchFamily="18" charset="0"/>
@@ -9176,6 +8743,37 @@
                                 </m:ctrlPr>
                               </m:dPr>
                               <m:e>
+                                <m:sSub>
+                                  <m:sSubPr>
+                                    <m:ctrlPr>
+                                      <a:rPr lang="en-US" i="1">
+                                        <a:latin typeface="Cambria Math" panose="02040503050406030204" pitchFamily="18" charset="0"/>
+                                      </a:rPr>
+                                    </m:ctrlPr>
+                                  </m:sSubPr>
+                                  <m:e>
+                                    <m:r>
+                                      <a:rPr lang="en-US" i="1">
+                                        <a:latin typeface="Cambria Math" panose="02040503050406030204" pitchFamily="18" charset="0"/>
+                                      </a:rPr>
+                                      <m:t>𝑦</m:t>
+                                    </m:r>
+                                  </m:e>
+                                  <m:sub>
+                                    <m:r>
+                                      <a:rPr lang="en-US" i="1">
+                                        <a:latin typeface="Cambria Math" panose="02040503050406030204" pitchFamily="18" charset="0"/>
+                                      </a:rPr>
+                                      <m:t>0</m:t>
+                                    </m:r>
+                                  </m:sub>
+                                </m:sSub>
+                                <m:r>
+                                  <a:rPr lang="en-US" i="1">
+                                    <a:latin typeface="Cambria Math" charset="0"/>
+                                  </a:rPr>
+                                  <m:t>−</m:t>
+                                </m:r>
                                 <m:acc>
                                   <m:accPr>
                                     <m:chr m:val="̂"/>
@@ -9232,313 +8830,23 @@
                                 </m:d>
                               </m:e>
                             </m:d>
+                          </m:e>
+                          <m:sup>
                             <m:r>
                               <a:rPr lang="en-US" i="1">
                                 <a:latin typeface="Cambria Math" charset="0"/>
                               </a:rPr>
-                              <m:t>−</m:t>
+                              <m:t>2</m:t>
                             </m:r>
-                            <m:r>
-                              <a:rPr lang="en-US" i="1">
-                                <a:latin typeface="Cambria Math" charset="0"/>
-                              </a:rPr>
-                              <m:t>𝑓</m:t>
-                            </m:r>
-                            <m:d>
-                              <m:dPr>
-                                <m:ctrlPr>
-                                  <a:rPr lang="en-US" i="1">
-                                    <a:latin typeface="Cambria Math" panose="02040503050406030204" pitchFamily="18" charset="0"/>
-                                  </a:rPr>
-                                </m:ctrlPr>
-                              </m:dPr>
-                              <m:e>
-                                <m:sSub>
-                                  <m:sSubPr>
-                                    <m:ctrlPr>
-                                      <a:rPr lang="en-US" i="1">
-                                        <a:latin typeface="Cambria Math" panose="02040503050406030204" pitchFamily="18" charset="0"/>
-                                      </a:rPr>
-                                    </m:ctrlPr>
-                                  </m:sSubPr>
-                                  <m:e>
-                                    <m:r>
-                                      <a:rPr lang="en-US" i="1">
-                                        <a:latin typeface="Cambria Math" charset="0"/>
-                                      </a:rPr>
-                                      <m:t>𝑥</m:t>
-                                    </m:r>
-                                  </m:e>
-                                  <m:sub>
-                                    <m:r>
-                                      <a:rPr lang="en-US" i="1">
-                                        <a:latin typeface="Cambria Math" charset="0"/>
-                                      </a:rPr>
-                                      <m:t>0</m:t>
-                                    </m:r>
-                                  </m:sub>
-                                </m:sSub>
-                              </m:e>
-                            </m:d>
-                          </m:e>
-                        </m:d>
+                          </m:sup>
+                        </m:sSup>
                       </m:e>
-                      <m:sup>
-                        <m:r>
-                          <a:rPr lang="en-US" i="1">
-                            <a:latin typeface="Cambria Math" charset="0"/>
-                          </a:rPr>
-                          <m:t>2</m:t>
-                        </m:r>
-                      </m:sup>
-                    </m:sSup>
+                    </m:d>
                     <m:r>
-                      <a:rPr lang="en-US" i="1">
-                        <a:latin typeface="Cambria Math" charset="0"/>
-                      </a:rPr>
-                      <m:t>+</m:t>
-                    </m:r>
-                    <m:r>
-                      <a:rPr lang="en-US" i="1">
-                        <a:latin typeface="Cambria Math" charset="0"/>
-                      </a:rPr>
-                      <m:t>𝐸</m:t>
-                    </m:r>
-                    <m:sSup>
-                      <m:sSupPr>
-                        <m:ctrlPr>
-                          <a:rPr lang="en-US" i="1">
-                            <a:latin typeface="Cambria Math" panose="02040503050406030204" pitchFamily="18" charset="0"/>
-                          </a:rPr>
-                        </m:ctrlPr>
-                      </m:sSupPr>
-                      <m:e>
-                        <m:d>
-                          <m:dPr>
-                            <m:begChr m:val="["/>
-                            <m:endChr m:val="]"/>
-                            <m:ctrlPr>
-                              <a:rPr lang="en-US" i="1">
-                                <a:latin typeface="Cambria Math" panose="02040503050406030204" pitchFamily="18" charset="0"/>
-                              </a:rPr>
-                            </m:ctrlPr>
-                          </m:dPr>
-                          <m:e>
-                            <m:r>
-                              <a:rPr lang="en-US" i="1">
-                                <a:latin typeface="Cambria Math" charset="0"/>
-                              </a:rPr>
-                              <m:t>𝐸</m:t>
-                            </m:r>
-                            <m:d>
-                              <m:dPr>
-                                <m:begChr m:val="["/>
-                                <m:endChr m:val="]"/>
-                                <m:ctrlPr>
-                                  <a:rPr lang="en-US" i="1">
-                                    <a:latin typeface="Cambria Math" panose="02040503050406030204" pitchFamily="18" charset="0"/>
-                                  </a:rPr>
-                                </m:ctrlPr>
-                              </m:dPr>
-                              <m:e>
-                                <m:acc>
-                                  <m:accPr>
-                                    <m:chr m:val="̂"/>
-                                    <m:ctrlPr>
-                                      <a:rPr lang="en-US" i="1">
-                                        <a:latin typeface="Cambria Math" panose="02040503050406030204" pitchFamily="18" charset="0"/>
-                                      </a:rPr>
-                                    </m:ctrlPr>
-                                  </m:accPr>
-                                  <m:e>
-                                    <m:r>
-                                      <a:rPr lang="en-US" i="1">
-                                        <a:latin typeface="Cambria Math" charset="0"/>
-                                      </a:rPr>
-                                      <m:t>𝑓</m:t>
-                                    </m:r>
-                                  </m:e>
-                                </m:acc>
-                                <m:d>
-                                  <m:dPr>
-                                    <m:ctrlPr>
-                                      <a:rPr lang="en-US" i="1">
-                                        <a:latin typeface="Cambria Math" panose="02040503050406030204" pitchFamily="18" charset="0"/>
-                                      </a:rPr>
-                                    </m:ctrlPr>
-                                  </m:dPr>
-                                  <m:e>
-                                    <m:sSub>
-                                      <m:sSubPr>
-                                        <m:ctrlPr>
-                                          <a:rPr lang="en-US" i="1">
-                                            <a:latin typeface="Cambria Math" panose="02040503050406030204" pitchFamily="18" charset="0"/>
-                                          </a:rPr>
-                                        </m:ctrlPr>
-                                      </m:sSubPr>
-                                      <m:e>
-                                        <m:r>
-                                          <a:rPr lang="en-US" i="1">
-                                            <a:latin typeface="Cambria Math" charset="0"/>
-                                          </a:rPr>
-                                          <m:t>𝑥</m:t>
-                                        </m:r>
-                                      </m:e>
-                                      <m:sub>
-                                        <m:r>
-                                          <a:rPr lang="en-US" i="1">
-                                            <a:latin typeface="Cambria Math" charset="0"/>
-                                          </a:rPr>
-                                          <m:t>0</m:t>
-                                        </m:r>
-                                      </m:sub>
-                                    </m:sSub>
-                                  </m:e>
-                                </m:d>
-                              </m:e>
-                            </m:d>
-                            <m:r>
-                              <a:rPr lang="en-US" i="1">
-                                <a:latin typeface="Cambria Math" panose="02040503050406030204" pitchFamily="18" charset="0"/>
-                              </a:rPr>
-                              <m:t>−</m:t>
-                            </m:r>
-                            <m:acc>
-                              <m:accPr>
-                                <m:chr m:val="̂"/>
-                                <m:ctrlPr>
-                                  <a:rPr lang="en-US" i="1">
-                                    <a:latin typeface="Cambria Math" panose="02040503050406030204" pitchFamily="18" charset="0"/>
-                                  </a:rPr>
-                                </m:ctrlPr>
-                              </m:accPr>
-                              <m:e>
-                                <m:r>
-                                  <a:rPr lang="en-US" i="1">
-                                    <a:latin typeface="Cambria Math" charset="0"/>
-                                  </a:rPr>
-                                  <m:t>𝑓</m:t>
-                                </m:r>
-                              </m:e>
-                            </m:acc>
-                            <m:d>
-                              <m:dPr>
-                                <m:ctrlPr>
-                                  <a:rPr lang="en-US" i="1">
-                                    <a:latin typeface="Cambria Math" panose="02040503050406030204" pitchFamily="18" charset="0"/>
-                                  </a:rPr>
-                                </m:ctrlPr>
-                              </m:dPr>
-                              <m:e>
-                                <m:sSub>
-                                  <m:sSubPr>
-                                    <m:ctrlPr>
-                                      <a:rPr lang="en-US" i="1">
-                                        <a:latin typeface="Cambria Math" panose="02040503050406030204" pitchFamily="18" charset="0"/>
-                                      </a:rPr>
-                                    </m:ctrlPr>
-                                  </m:sSubPr>
-                                  <m:e>
-                                    <m:r>
-                                      <a:rPr lang="en-US" i="1">
-                                        <a:latin typeface="Cambria Math" charset="0"/>
-                                      </a:rPr>
-                                      <m:t>𝑥</m:t>
-                                    </m:r>
-                                  </m:e>
-                                  <m:sub>
-                                    <m:r>
-                                      <a:rPr lang="en-US" i="1">
-                                        <a:latin typeface="Cambria Math" charset="0"/>
-                                      </a:rPr>
-                                      <m:t>0</m:t>
-                                    </m:r>
-                                  </m:sub>
-                                </m:sSub>
-                              </m:e>
-                            </m:d>
-                          </m:e>
-                        </m:d>
-                      </m:e>
-                      <m:sup>
-                        <m:r>
-                          <a:rPr lang="en-US" i="1">
-                            <a:latin typeface="Cambria Math" charset="0"/>
-                          </a:rPr>
-                          <m:t>2</m:t>
-                        </m:r>
-                      </m:sup>
-                    </m:sSup>
-                    <m:r>
-                      <a:rPr lang="en-US" i="1">
+                      <a:rPr lang="en-US" b="0" i="1" smtClean="0">
                         <a:latin typeface="Cambria Math" panose="02040503050406030204" pitchFamily="18" charset="0"/>
                       </a:rPr>
-                      <m:t>+</m:t>
-                    </m:r>
-                    <m:r>
-                      <a:rPr lang="en-US" i="1">
-                        <a:latin typeface="Cambria Math" panose="02040503050406030204" pitchFamily="18" charset="0"/>
-                      </a:rPr>
-                      <m:t>𝑉𝑎𝑟</m:t>
-                    </m:r>
-                    <m:r>
-                      <a:rPr lang="en-US" i="1">
-                        <a:latin typeface="Cambria Math" panose="02040503050406030204" pitchFamily="18" charset="0"/>
-                      </a:rPr>
-                      <m:t>(</m:t>
-                    </m:r>
-                    <m:r>
-                      <a:rPr lang="en-US" i="1">
-                        <a:latin typeface="Cambria Math" charset="0"/>
-                      </a:rPr>
-                      <m:t>𝜖</m:t>
-                    </m:r>
-                    <m:r>
-                      <a:rPr lang="en-US" i="1">
-                        <a:latin typeface="Cambria Math" panose="02040503050406030204" pitchFamily="18" charset="0"/>
-                      </a:rPr>
-                      <m:t>)</m:t>
-                    </m:r>
-                  </m:oMath>
-                </a14:m>
-                <a:endParaRPr lang="en-US" i="1" dirty="0">
-                  <a:latin typeface="Cambria Math" panose="02040503050406030204" pitchFamily="18" charset="0"/>
-                </a:endParaRPr>
-              </a:p>
-              <a:p>
-                <a:pPr lvl="1"/>
-                <a14:m>
-                  <m:oMath xmlns:m="http://schemas.openxmlformats.org/officeDocument/2006/math">
-                    <m:sSub>
-                      <m:sSubPr>
-                        <m:ctrlPr>
-                          <a:rPr lang="en-US" i="1">
-                            <a:latin typeface="Cambria Math" panose="02040503050406030204" pitchFamily="18" charset="0"/>
-                          </a:rPr>
-                        </m:ctrlPr>
-                      </m:sSubPr>
-                      <m:e>
-                        <m:r>
-                          <a:rPr lang="en-US" i="1">
-                            <a:latin typeface="Cambria Math" panose="02040503050406030204" pitchFamily="18" charset="0"/>
-                          </a:rPr>
-                          <m:t>𝑇𝑒𝑠𝑡</m:t>
-                        </m:r>
-                      </m:e>
-                      <m:sub>
-                        <m:r>
-                          <a:rPr lang="en-US" i="1">
-                            <a:latin typeface="Cambria Math" panose="02040503050406030204" pitchFamily="18" charset="0"/>
-                          </a:rPr>
-                          <m:t>𝑀𝑆𝐸</m:t>
-                        </m:r>
-                      </m:sub>
-                    </m:sSub>
-                    <m:r>
-                      <a:rPr lang="en-US" b="0" i="1" smtClean="0">
-                        <a:latin typeface="Cambria Math" charset="0"/>
-                      </a:rPr>
-                      <m:t>=</m:t>
+                      <m:t>= </m:t>
                     </m:r>
                     <m:sSup>
                       <m:sSupPr>
@@ -9745,7 +9053,10 @@
                     </m:r>
                   </m:oMath>
                 </a14:m>
-                <a:endParaRPr lang="en-US" dirty="0"/>
+                <a:r>
+                  <a:rPr lang="en-US" dirty="0"/>
+                  <a:t> ISLR Eq 2.7 p 34</a:t>
+                </a:r>
               </a:p>
               <a:p>
                 <a:pPr lvl="1"/>
@@ -10165,7 +9476,7 @@
                 </a14:m>
                 <a:r>
                   <a:rPr lang="en-US" dirty="0"/>
-                  <a:t> is the variance</a:t>
+                  <a:t> is variance</a:t>
                 </a:r>
               </a:p>
               <a:p>
@@ -10296,7 +9607,7 @@
               <a:blipFill>
                 <a:blip r:embed="rId2"/>
                 <a:stretch>
-                  <a:fillRect l="-454" t="-2299"/>
+                  <a:fillRect l="-738" t="-2937" r="-114"/>
                 </a:stretch>
               </a:blipFill>
             </p:spPr>
@@ -10328,7 +9639,7 @@
 </p:sld>
 </file>
 
-<file path=ppt/slides/slide18.xml><?xml version="1.0" encoding="utf-8"?>
+<file path=ppt/slides/slide17.xml><?xml version="1.0" encoding="utf-8"?>
 <p:sld xmlns:a="http://schemas.openxmlformats.org/drawingml/2006/main" xmlns:r="http://schemas.openxmlformats.org/officeDocument/2006/relationships" xmlns:p="http://schemas.openxmlformats.org/presentationml/2006/main">
   <p:cSld>
     <p:spTree>
@@ -10689,7 +10000,7 @@
 </p:sld>
 </file>
 
-<file path=ppt/slides/slide19.xml><?xml version="1.0" encoding="utf-8"?>
+<file path=ppt/slides/slide18.xml><?xml version="1.0" encoding="utf-8"?>
 <p:sld xmlns:a="http://schemas.openxmlformats.org/drawingml/2006/main" xmlns:r="http://schemas.openxmlformats.org/officeDocument/2006/relationships" xmlns:p="http://schemas.openxmlformats.org/presentationml/2006/main">
   <p:cSld>
     <p:spTree>
@@ -10751,24 +10062,9 @@
         </p:spPr>
         <p:txBody>
           <a:bodyPr>
-            <a:normAutofit lnSpcReduction="10000"/>
+            <a:normAutofit/>
           </a:bodyPr>
           <a:lstStyle/>
-          <a:p>
-            <a:r>
-              <a:rPr lang="en-US" sz="2400" dirty="0"/>
-              <a:t>Accuracy is misleading for </a:t>
-            </a:r>
-            <a:r>
-              <a:rPr lang="en-US" sz="2400" i="1" dirty="0"/>
-              <a:t>unbalanced</a:t>
-            </a:r>
-            <a:r>
-              <a:rPr lang="en-US" sz="2400" dirty="0"/>
-              <a:t> datasets</a:t>
-            </a:r>
-            <a:endParaRPr lang="en-US" sz="2400" b="1" dirty="0"/>
-          </a:p>
           <a:p>
             <a:r>
               <a:rPr lang="en-US" sz="2400" b="1" dirty="0"/>
@@ -11504,109 +10800,7 @@
 </p:sld>
 </file>
 
-<file path=ppt/slides/slide2.xml><?xml version="1.0" encoding="utf-8"?>
-<p:sld xmlns:a="http://schemas.openxmlformats.org/drawingml/2006/main" xmlns:r="http://schemas.openxmlformats.org/officeDocument/2006/relationships" xmlns:p="http://schemas.openxmlformats.org/presentationml/2006/main">
-  <p:cSld>
-    <p:spTree>
-      <p:nvGrpSpPr>
-        <p:cNvPr id="1" name=""/>
-        <p:cNvGrpSpPr/>
-        <p:nvPr/>
-      </p:nvGrpSpPr>
-      <p:grpSpPr>
-        <a:xfrm>
-          <a:off x="0" y="0"/>
-          <a:ext cx="0" cy="0"/>
-          <a:chOff x="0" y="0"/>
-          <a:chExt cx="0" cy="0"/>
-        </a:xfrm>
-      </p:grpSpPr>
-      <p:sp>
-        <p:nvSpPr>
-          <p:cNvPr id="2" name="Title 1">
-            <a:extLst>
-              <a:ext uri="{FF2B5EF4-FFF2-40B4-BE49-F238E27FC236}">
-                <a16:creationId xmlns:a16="http://schemas.microsoft.com/office/drawing/2014/main" id="{D9354A20-97BD-4F09-9BED-94BB7F77BD87}"/>
-              </a:ext>
-            </a:extLst>
-          </p:cNvPr>
-          <p:cNvSpPr>
-            <a:spLocks noGrp="1"/>
-          </p:cNvSpPr>
-          <p:nvPr>
-            <p:ph type="title"/>
-          </p:nvPr>
-        </p:nvSpPr>
-        <p:spPr/>
-        <p:txBody>
-          <a:bodyPr/>
-          <a:lstStyle/>
-          <a:p>
-            <a:r>
-              <a:rPr lang="en-US" dirty="0"/>
-              <a:t>Attendance</a:t>
-            </a:r>
-          </a:p>
-        </p:txBody>
-      </p:sp>
-      <p:sp>
-        <p:nvSpPr>
-          <p:cNvPr id="3" name="Content Placeholder 2">
-            <a:extLst>
-              <a:ext uri="{FF2B5EF4-FFF2-40B4-BE49-F238E27FC236}">
-                <a16:creationId xmlns:a16="http://schemas.microsoft.com/office/drawing/2014/main" id="{997BC222-2031-4633-BC50-6F9ECECB3E53}"/>
-              </a:ext>
-            </a:extLst>
-          </p:cNvPr>
-          <p:cNvSpPr>
-            <a:spLocks noGrp="1"/>
-          </p:cNvSpPr>
-          <p:nvPr>
-            <p:ph idx="1"/>
-          </p:nvPr>
-        </p:nvSpPr>
-        <p:spPr/>
-        <p:txBody>
-          <a:bodyPr/>
-          <a:lstStyle/>
-          <a:p>
-            <a:r>
-              <a:rPr lang="en-US" dirty="0"/>
-              <a:t>Please fill out the attendance sheet: </a:t>
-            </a:r>
-            <a:r>
-              <a:rPr lang="en-US" dirty="0">
-                <a:hlinkClick r:id="rId2"/>
-              </a:rPr>
-              <a:t>https://docs.google.com/spreadsheets/d/1_wlasAC8pjlVRyJABrLu2-o30yytu4xOtDMJp8OAGEc?authuser=willard.e.williamson%40gmail.com&amp;usp=drive_fs</a:t>
-            </a:r>
-            <a:r>
-              <a:rPr lang="en-US" dirty="0"/>
-              <a:t> </a:t>
-            </a:r>
-          </a:p>
-          <a:p>
-            <a:r>
-              <a:rPr lang="en-US" dirty="0"/>
-              <a:t>Write in a ‘1’ if you are present</a:t>
-            </a:r>
-          </a:p>
-        </p:txBody>
-      </p:sp>
-    </p:spTree>
-    <p:extLst>
-      <p:ext uri="{BB962C8B-B14F-4D97-AF65-F5344CB8AC3E}">
-        <p14:creationId xmlns:p14="http://schemas.microsoft.com/office/powerpoint/2010/main" val="1538406013"/>
-      </p:ext>
-    </p:extLst>
-  </p:cSld>
-  <p:clrMapOvr>
-    <a:masterClrMapping/>
-  </p:clrMapOvr>
-</p:sld>
-</file>
-
-<file path=ppt/slides/slide20.xml><?xml version="1.0" encoding="utf-8"?>
+<file path=ppt/slides/slide19.xml><?xml version="1.0" encoding="utf-8"?>
 <p:sld xmlns:a="http://schemas.openxmlformats.org/drawingml/2006/main" xmlns:r="http://schemas.openxmlformats.org/officeDocument/2006/relationships" xmlns:p="http://schemas.openxmlformats.org/presentationml/2006/main">
   <p:cSld>
     <p:spTree>
@@ -12503,7 +11697,109 @@
 </p:sld>
 </file>
 
-<file path=ppt/slides/slide21.xml><?xml version="1.0" encoding="utf-8"?>
+<file path=ppt/slides/slide2.xml><?xml version="1.0" encoding="utf-8"?>
+<p:sld xmlns:a="http://schemas.openxmlformats.org/drawingml/2006/main" xmlns:r="http://schemas.openxmlformats.org/officeDocument/2006/relationships" xmlns:p="http://schemas.openxmlformats.org/presentationml/2006/main">
+  <p:cSld>
+    <p:spTree>
+      <p:nvGrpSpPr>
+        <p:cNvPr id="1" name=""/>
+        <p:cNvGrpSpPr/>
+        <p:nvPr/>
+      </p:nvGrpSpPr>
+      <p:grpSpPr>
+        <a:xfrm>
+          <a:off x="0" y="0"/>
+          <a:ext cx="0" cy="0"/>
+          <a:chOff x="0" y="0"/>
+          <a:chExt cx="0" cy="0"/>
+        </a:xfrm>
+      </p:grpSpPr>
+      <p:sp>
+        <p:nvSpPr>
+          <p:cNvPr id="2" name="Title 1">
+            <a:extLst>
+              <a:ext uri="{FF2B5EF4-FFF2-40B4-BE49-F238E27FC236}">
+                <a16:creationId xmlns:a16="http://schemas.microsoft.com/office/drawing/2014/main" id="{D9354A20-97BD-4F09-9BED-94BB7F77BD87}"/>
+              </a:ext>
+            </a:extLst>
+          </p:cNvPr>
+          <p:cNvSpPr>
+            <a:spLocks noGrp="1"/>
+          </p:cNvSpPr>
+          <p:nvPr>
+            <p:ph type="title"/>
+          </p:nvPr>
+        </p:nvSpPr>
+        <p:spPr/>
+        <p:txBody>
+          <a:bodyPr/>
+          <a:lstStyle/>
+          <a:p>
+            <a:r>
+              <a:rPr lang="en-US" dirty="0"/>
+              <a:t>Attendance</a:t>
+            </a:r>
+          </a:p>
+        </p:txBody>
+      </p:sp>
+      <p:sp>
+        <p:nvSpPr>
+          <p:cNvPr id="3" name="Content Placeholder 2">
+            <a:extLst>
+              <a:ext uri="{FF2B5EF4-FFF2-40B4-BE49-F238E27FC236}">
+                <a16:creationId xmlns:a16="http://schemas.microsoft.com/office/drawing/2014/main" id="{997BC222-2031-4633-BC50-6F9ECECB3E53}"/>
+              </a:ext>
+            </a:extLst>
+          </p:cNvPr>
+          <p:cNvSpPr>
+            <a:spLocks noGrp="1"/>
+          </p:cNvSpPr>
+          <p:nvPr>
+            <p:ph idx="1"/>
+          </p:nvPr>
+        </p:nvSpPr>
+        <p:spPr/>
+        <p:txBody>
+          <a:bodyPr/>
+          <a:lstStyle/>
+          <a:p>
+            <a:r>
+              <a:rPr lang="en-US" dirty="0"/>
+              <a:t>Please fill out the attendance sheet: </a:t>
+            </a:r>
+            <a:r>
+              <a:rPr lang="en-US" dirty="0">
+                <a:hlinkClick r:id="rId2"/>
+              </a:rPr>
+              <a:t>https://docs.google.com/spreadsheets/d/1G5tiqXQn9mwyubWdINtPI_QONXH1_2U8oYikksgWlss/edit?usp=sharing</a:t>
+            </a:r>
+            <a:r>
+              <a:rPr lang="en-US" dirty="0"/>
+              <a:t> </a:t>
+            </a:r>
+          </a:p>
+          <a:p>
+            <a:r>
+              <a:rPr lang="en-US" dirty="0"/>
+              <a:t>Write in a ‘1’ if you are present</a:t>
+            </a:r>
+          </a:p>
+        </p:txBody>
+      </p:sp>
+    </p:spTree>
+    <p:extLst>
+      <p:ext uri="{BB962C8B-B14F-4D97-AF65-F5344CB8AC3E}">
+        <p14:creationId xmlns:p14="http://schemas.microsoft.com/office/powerpoint/2010/main" val="2278250806"/>
+      </p:ext>
+    </p:extLst>
+  </p:cSld>
+  <p:clrMapOvr>
+    <a:masterClrMapping/>
+  </p:clrMapOvr>
+</p:sld>
+</file>
+
+<file path=ppt/slides/slide20.xml><?xml version="1.0" encoding="utf-8"?>
 <p:sld xmlns:a="http://schemas.openxmlformats.org/drawingml/2006/main" xmlns:r="http://schemas.openxmlformats.org/officeDocument/2006/relationships" xmlns:p="http://schemas.openxmlformats.org/presentationml/2006/main">
   <p:cSld>
     <p:spTree>
@@ -13327,7 +12623,7 @@
 </p:sld>
 </file>
 
-<file path=ppt/slides/slide22.xml><?xml version="1.0" encoding="utf-8"?>
+<file path=ppt/slides/slide21.xml><?xml version="1.0" encoding="utf-8"?>
 <p:sld xmlns:a="http://schemas.openxmlformats.org/drawingml/2006/main" xmlns:r="http://schemas.openxmlformats.org/officeDocument/2006/relationships" xmlns:p="http://schemas.openxmlformats.org/presentationml/2006/main">
   <p:cSld>
     <p:spTree>
@@ -14170,7 +13466,7 @@
 </p:sld>
 </file>
 
-<file path=ppt/slides/slide23.xml><?xml version="1.0" encoding="utf-8"?>
+<file path=ppt/slides/slide22.xml><?xml version="1.0" encoding="utf-8"?>
 <p:sld xmlns:a="http://schemas.openxmlformats.org/drawingml/2006/main" xmlns:r="http://schemas.openxmlformats.org/officeDocument/2006/relationships" xmlns:p="http://schemas.openxmlformats.org/presentationml/2006/main">
   <p:cSld>
     <p:spTree>
@@ -14274,7 +13570,7 @@
 </p:sld>
 </file>
 
-<file path=ppt/slides/slide24.xml><?xml version="1.0" encoding="utf-8"?>
+<file path=ppt/slides/slide23.xml><?xml version="1.0" encoding="utf-8"?>
 <p:sld xmlns:a="http://schemas.openxmlformats.org/drawingml/2006/main" xmlns:r="http://schemas.openxmlformats.org/officeDocument/2006/relationships" xmlns:p="http://schemas.openxmlformats.org/presentationml/2006/main">
   <p:cSld>
     <p:spTree>
@@ -14440,135 +13736,7 @@
 </p:sld>
 </file>
 
-<file path=ppt/slides/slide25.xml><?xml version="1.0" encoding="utf-8"?>
-<p:sld xmlns:a="http://schemas.openxmlformats.org/drawingml/2006/main" xmlns:r="http://schemas.openxmlformats.org/officeDocument/2006/relationships" xmlns:p="http://schemas.openxmlformats.org/presentationml/2006/main">
-  <p:cSld>
-    <p:spTree>
-      <p:nvGrpSpPr>
-        <p:cNvPr id="1" name=""/>
-        <p:cNvGrpSpPr/>
-        <p:nvPr/>
-      </p:nvGrpSpPr>
-      <p:grpSpPr>
-        <a:xfrm>
-          <a:off x="0" y="0"/>
-          <a:ext cx="0" cy="0"/>
-          <a:chOff x="0" y="0"/>
-          <a:chExt cx="0" cy="0"/>
-        </a:xfrm>
-      </p:grpSpPr>
-      <p:sp>
-        <p:nvSpPr>
-          <p:cNvPr id="2" name="Title 1">
-            <a:extLst>
-              <a:ext uri="{FF2B5EF4-FFF2-40B4-BE49-F238E27FC236}">
-                <a16:creationId xmlns:a16="http://schemas.microsoft.com/office/drawing/2014/main" id="{180D01F5-AA6A-4B21-B464-1BCBF7A83289}"/>
-              </a:ext>
-            </a:extLst>
-          </p:cNvPr>
-          <p:cNvSpPr>
-            <a:spLocks noGrp="1"/>
-          </p:cNvSpPr>
-          <p:nvPr>
-            <p:ph type="title"/>
-          </p:nvPr>
-        </p:nvSpPr>
-        <p:spPr/>
-        <p:txBody>
-          <a:bodyPr/>
-          <a:lstStyle/>
-          <a:p>
-            <a:r>
-              <a:rPr lang="en-US" dirty="0"/>
-              <a:t>Performance Measurement Interpretation</a:t>
-            </a:r>
-          </a:p>
-        </p:txBody>
-      </p:sp>
-      <p:sp>
-        <p:nvSpPr>
-          <p:cNvPr id="3" name="Content Placeholder 2">
-            <a:extLst>
-              <a:ext uri="{FF2B5EF4-FFF2-40B4-BE49-F238E27FC236}">
-                <a16:creationId xmlns:a16="http://schemas.microsoft.com/office/drawing/2014/main" id="{46C4991B-4A34-409C-A7B4-0161F7EDB731}"/>
-              </a:ext>
-            </a:extLst>
-          </p:cNvPr>
-          <p:cNvSpPr>
-            <a:spLocks noGrp="1"/>
-          </p:cNvSpPr>
-          <p:nvPr>
-            <p:ph idx="1"/>
-          </p:nvPr>
-        </p:nvSpPr>
-        <p:spPr/>
-        <p:txBody>
-          <a:bodyPr>
-            <a:normAutofit fontScale="92500" lnSpcReduction="20000"/>
-          </a:bodyPr>
-          <a:lstStyle/>
-          <a:p>
-            <a:r>
-              <a:rPr lang="en-US" dirty="0"/>
-              <a:t>Confusion matrix metric interpretation</a:t>
-            </a:r>
-          </a:p>
-          <a:p>
-            <a:r>
-              <a:rPr lang="en-US" b="1" dirty="0"/>
-              <a:t>TPR / Recall</a:t>
-            </a:r>
-            <a:r>
-              <a:rPr lang="en-US" dirty="0"/>
-              <a:t>: Use when false positives are better than false negatives. Example, it’s better to label a healthy subject diabetic rather than a diabetic subject healthy.</a:t>
-            </a:r>
-          </a:p>
-          <a:p>
-            <a:r>
-              <a:rPr lang="en-US" b="1" dirty="0"/>
-              <a:t>TNR / Specificity</a:t>
-            </a:r>
-            <a:r>
-              <a:rPr lang="en-US" dirty="0"/>
-              <a:t>:  Use when false negatives are better than false positives.  Example: You are running a test to determine if you need to shut down a production line.  Shutting down the line is expensive so you don’t want to shut it down due to a false positive test result.</a:t>
-            </a:r>
-          </a:p>
-          <a:p>
-            <a:r>
-              <a:rPr lang="en-US" b="1" dirty="0"/>
-              <a:t>Precision</a:t>
-            </a:r>
-            <a:r>
-              <a:rPr lang="en-US" dirty="0"/>
-              <a:t>:  Use in cases where high confidence in true positives is desirable.  Example: See the production line example above.</a:t>
-            </a:r>
-          </a:p>
-          <a:p>
-            <a:r>
-              <a:rPr lang="en-US" b="1" dirty="0"/>
-              <a:t>Accuracy</a:t>
-            </a:r>
-            <a:r>
-              <a:rPr lang="en-US" dirty="0"/>
-              <a:t>:  Only works well for balanced data sets.  The test is best used in combination with another metric (see ROC which follows).</a:t>
-            </a:r>
-          </a:p>
-        </p:txBody>
-      </p:sp>
-    </p:spTree>
-    <p:extLst>
-      <p:ext uri="{BB962C8B-B14F-4D97-AF65-F5344CB8AC3E}">
-        <p14:creationId xmlns:p14="http://schemas.microsoft.com/office/powerpoint/2010/main" val="1557948438"/>
-      </p:ext>
-    </p:extLst>
-  </p:cSld>
-  <p:clrMapOvr>
-    <a:masterClrMapping/>
-  </p:clrMapOvr>
-</p:sld>
-</file>
-
-<file path=ppt/slides/slide26.xml><?xml version="1.0" encoding="utf-8"?>
+<file path=ppt/slides/slide24.xml><?xml version="1.0" encoding="utf-8"?>
 <p:sld xmlns:a="http://schemas.openxmlformats.org/drawingml/2006/main" xmlns:r="http://schemas.openxmlformats.org/officeDocument/2006/relationships" xmlns:p="http://schemas.openxmlformats.org/presentationml/2006/main">
   <p:cSld>
     <p:spTree>
@@ -14637,7 +13805,11 @@
           <a:p>
             <a:r>
               <a:rPr lang="en-US" dirty="0"/>
-              <a:t>ROC is typically used for models that predict the probability of 2 class outcomes</a:t>
+              <a:t>ROC is typically used for models that predict the probability of </a:t>
+            </a:r>
+            <a:r>
+              <a:rPr lang="en-US" b="1" dirty="0"/>
+              <a:t>2 class outcomes</a:t>
             </a:r>
           </a:p>
           <a:p>
@@ -14650,7 +13822,7 @@
             <a:pPr lvl="1"/>
             <a:r>
               <a:rPr lang="en-US" b="1" dirty="0"/>
-              <a:t>TPR and FPR values are calculated across a range of thresholds where the threshold is compared to the model probability prediction to determine the class</a:t>
+              <a:t>TPR and FPR values are calculated across a range of thresholds where the threshold is compared to the model prediction probability to determine the class</a:t>
             </a:r>
           </a:p>
           <a:p>
@@ -14675,7 +13847,7 @@
 </p:sld>
 </file>
 
-<file path=ppt/slides/slide27.xml><?xml version="1.0" encoding="utf-8"?>
+<file path=ppt/slides/slide25.xml><?xml version="1.0" encoding="utf-8"?>
 <p:sld xmlns:a="http://schemas.openxmlformats.org/drawingml/2006/main" xmlns:r="http://schemas.openxmlformats.org/officeDocument/2006/relationships" xmlns:p="http://schemas.openxmlformats.org/presentationml/2006/main">
   <p:cSld>
     <p:spTree>
@@ -15834,7 +15006,7 @@
 </p:sld>
 </file>
 
-<file path=ppt/slides/slide28.xml><?xml version="1.0" encoding="utf-8"?>
+<file path=ppt/slides/slide26.xml><?xml version="1.0" encoding="utf-8"?>
 <p:sld xmlns:a="http://schemas.openxmlformats.org/drawingml/2006/main" xmlns:r="http://schemas.openxmlformats.org/officeDocument/2006/relationships" xmlns:p="http://schemas.openxmlformats.org/presentationml/2006/main">
   <p:cSld>
     <p:spTree>
@@ -16964,7 +16136,7 @@
           <a:p>
             <a:r>
               <a:rPr lang="en-US" sz="1600" dirty="0"/>
-              <a:t>TPR = 1 / 2</a:t>
+              <a:t>TPR = 1 / (1+1)</a:t>
             </a:r>
           </a:p>
           <a:p>
@@ -16999,7 +16171,7 @@
           <a:p>
             <a:r>
               <a:rPr lang="en-US" sz="2000" dirty="0"/>
-              <a:t>We will classify as spam if classifier predicts with more than 50% spam</a:t>
+              <a:t>We will classify as spam if p(spam) &gt; 0.5</a:t>
             </a:r>
           </a:p>
           <a:p>
@@ -17057,7 +16229,7 @@
 </p:sld>
 </file>
 
-<file path=ppt/slides/slide29.xml><?xml version="1.0" encoding="utf-8"?>
+<file path=ppt/slides/slide27.xml><?xml version="1.0" encoding="utf-8"?>
 <p:sld xmlns:a="http://schemas.openxmlformats.org/drawingml/2006/main" xmlns:r="http://schemas.openxmlformats.org/officeDocument/2006/relationships" xmlns:p="http://schemas.openxmlformats.org/presentationml/2006/main">
   <p:cSld>
     <p:spTree>
@@ -18280,168 +17452,7 @@
 </p:sld>
 </file>
 
-<file path=ppt/slides/slide3.xml><?xml version="1.0" encoding="utf-8"?>
-<p:sld xmlns:a="http://schemas.openxmlformats.org/drawingml/2006/main" xmlns:r="http://schemas.openxmlformats.org/officeDocument/2006/relationships" xmlns:p="http://schemas.openxmlformats.org/presentationml/2006/main">
-  <p:cSld>
-    <p:spTree>
-      <p:nvGrpSpPr>
-        <p:cNvPr id="1" name=""/>
-        <p:cNvGrpSpPr/>
-        <p:nvPr/>
-      </p:nvGrpSpPr>
-      <p:grpSpPr>
-        <a:xfrm>
-          <a:off x="0" y="0"/>
-          <a:ext cx="0" cy="0"/>
-          <a:chOff x="0" y="0"/>
-          <a:chExt cx="0" cy="0"/>
-        </a:xfrm>
-      </p:grpSpPr>
-      <p:sp>
-        <p:nvSpPr>
-          <p:cNvPr id="2" name="Title 1"/>
-          <p:cNvSpPr>
-            <a:spLocks noGrp="1"/>
-          </p:cNvSpPr>
-          <p:nvPr>
-            <p:ph type="title"/>
-          </p:nvPr>
-        </p:nvSpPr>
-        <p:spPr/>
-        <p:txBody>
-          <a:bodyPr/>
-          <a:lstStyle/>
-          <a:p>
-            <a:r>
-              <a:rPr lang="en-US" dirty="0"/>
-              <a:t>From The </a:t>
-            </a:r>
-            <a:r>
-              <a:rPr lang="en-US"/>
-              <a:t>Previous Class</a:t>
-            </a:r>
-            <a:endParaRPr lang="en-US" dirty="0"/>
-          </a:p>
-        </p:txBody>
-      </p:sp>
-      <p:sp>
-        <p:nvSpPr>
-          <p:cNvPr id="3" name="Content Placeholder 2"/>
-          <p:cNvSpPr>
-            <a:spLocks noGrp="1"/>
-          </p:cNvSpPr>
-          <p:nvPr>
-            <p:ph idx="1"/>
-          </p:nvPr>
-        </p:nvSpPr>
-        <p:spPr/>
-        <p:txBody>
-          <a:bodyPr/>
-          <a:lstStyle/>
-          <a:p>
-            <a:r>
-              <a:rPr lang="en-US" dirty="0"/>
-              <a:t>We took a </a:t>
-            </a:r>
-            <a:r>
-              <a:rPr lang="en-US" b="1" dirty="0"/>
-              <a:t>statistical approach to learning</a:t>
-            </a:r>
-            <a:r>
-              <a:rPr lang="en-US" dirty="0"/>
-              <a:t> which acknowledges our uncertainty and noise in the data science process</a:t>
-            </a:r>
-          </a:p>
-          <a:p>
-            <a:r>
-              <a:rPr lang="en-US" dirty="0"/>
-              <a:t>We defined a </a:t>
-            </a:r>
-            <a:r>
-              <a:rPr lang="en-US" b="1" dirty="0"/>
-              <a:t>model </a:t>
-            </a:r>
-            <a:r>
-              <a:rPr lang="en-US" dirty="0"/>
-              <a:t>of the data</a:t>
-            </a:r>
-          </a:p>
-          <a:p>
-            <a:r>
-              <a:rPr lang="en-US" dirty="0"/>
-              <a:t>We estimated the parameters using </a:t>
-            </a:r>
-            <a:r>
-              <a:rPr lang="en-US" b="1" dirty="0"/>
-              <a:t>training data</a:t>
-            </a:r>
-          </a:p>
-          <a:p>
-            <a:r>
-              <a:rPr lang="en-US" dirty="0"/>
-              <a:t>We used the model to </a:t>
-            </a:r>
-            <a:r>
-              <a:rPr lang="en-US" b="1" dirty="0"/>
-              <a:t>predict </a:t>
-            </a:r>
-            <a:r>
-              <a:rPr lang="en-US" dirty="0"/>
-              <a:t>or </a:t>
-            </a:r>
-            <a:r>
-              <a:rPr lang="en-US" b="1" dirty="0"/>
-              <a:t>interpret</a:t>
-            </a:r>
-            <a:r>
-              <a:rPr lang="en-US" dirty="0"/>
-              <a:t> the results</a:t>
-            </a:r>
-          </a:p>
-          <a:p>
-            <a:r>
-              <a:rPr lang="en-US" dirty="0"/>
-              <a:t>We could use </a:t>
-            </a:r>
-            <a:r>
-              <a:rPr lang="en-US" b="1" dirty="0"/>
-              <a:t>supervised </a:t>
-            </a:r>
-            <a:r>
-              <a:rPr lang="en-US" dirty="0"/>
-              <a:t>or </a:t>
-            </a:r>
-            <a:r>
-              <a:rPr lang="en-US" b="1" dirty="0"/>
-              <a:t>unsupervised</a:t>
-            </a:r>
-            <a:r>
-              <a:rPr lang="en-US" dirty="0"/>
-              <a:t> learning to find relationships between variables</a:t>
-            </a:r>
-          </a:p>
-          <a:p>
-            <a:r>
-              <a:rPr lang="en-US" dirty="0"/>
-              <a:t>If variables are not quantitative, we used classification models.</a:t>
-            </a:r>
-          </a:p>
-        </p:txBody>
-      </p:sp>
-    </p:spTree>
-    <p:extLst>
-      <p:ext uri="{BB962C8B-B14F-4D97-AF65-F5344CB8AC3E}">
-        <p14:creationId xmlns:p14="http://schemas.microsoft.com/office/powerpoint/2010/main" val="171484714"/>
-      </p:ext>
-    </p:extLst>
-  </p:cSld>
-  <p:clrMapOvr>
-    <a:masterClrMapping/>
-  </p:clrMapOvr>
-</p:sld>
-</file>
-
-<file path=ppt/slides/slide30.xml><?xml version="1.0" encoding="utf-8"?>
+<file path=ppt/slides/slide28.xml><?xml version="1.0" encoding="utf-8"?>
 <p:sld xmlns:a="http://schemas.openxmlformats.org/drawingml/2006/main" xmlns:r="http://schemas.openxmlformats.org/officeDocument/2006/relationships" xmlns:p="http://schemas.openxmlformats.org/presentationml/2006/main">
   <p:cSld>
     <p:spTree>
@@ -18965,7 +17976,7 @@
 </p:sld>
 </file>
 
-<file path=ppt/slides/slide31.xml><?xml version="1.0" encoding="utf-8"?>
+<file path=ppt/slides/slide29.xml><?xml version="1.0" encoding="utf-8"?>
 <p:sld xmlns:a="http://schemas.openxmlformats.org/drawingml/2006/main" xmlns:r="http://schemas.openxmlformats.org/officeDocument/2006/relationships" xmlns:p="http://schemas.openxmlformats.org/presentationml/2006/main">
   <p:cSld>
     <p:spTree>
@@ -19505,7 +18516,168 @@
 </p:sld>
 </file>
 
-<file path=ppt/slides/slide32.xml><?xml version="1.0" encoding="utf-8"?>
+<file path=ppt/slides/slide3.xml><?xml version="1.0" encoding="utf-8"?>
+<p:sld xmlns:a="http://schemas.openxmlformats.org/drawingml/2006/main" xmlns:r="http://schemas.openxmlformats.org/officeDocument/2006/relationships" xmlns:p="http://schemas.openxmlformats.org/presentationml/2006/main">
+  <p:cSld>
+    <p:spTree>
+      <p:nvGrpSpPr>
+        <p:cNvPr id="1" name=""/>
+        <p:cNvGrpSpPr/>
+        <p:nvPr/>
+      </p:nvGrpSpPr>
+      <p:grpSpPr>
+        <a:xfrm>
+          <a:off x="0" y="0"/>
+          <a:ext cx="0" cy="0"/>
+          <a:chOff x="0" y="0"/>
+          <a:chExt cx="0" cy="0"/>
+        </a:xfrm>
+      </p:grpSpPr>
+      <p:sp>
+        <p:nvSpPr>
+          <p:cNvPr id="2" name="Title 1"/>
+          <p:cNvSpPr>
+            <a:spLocks noGrp="1"/>
+          </p:cNvSpPr>
+          <p:nvPr>
+            <p:ph type="title"/>
+          </p:nvPr>
+        </p:nvSpPr>
+        <p:spPr/>
+        <p:txBody>
+          <a:bodyPr/>
+          <a:lstStyle/>
+          <a:p>
+            <a:r>
+              <a:rPr lang="en-US" dirty="0"/>
+              <a:t>From The </a:t>
+            </a:r>
+            <a:r>
+              <a:rPr lang="en-US"/>
+              <a:t>Previous Class</a:t>
+            </a:r>
+            <a:endParaRPr lang="en-US" dirty="0"/>
+          </a:p>
+        </p:txBody>
+      </p:sp>
+      <p:sp>
+        <p:nvSpPr>
+          <p:cNvPr id="3" name="Content Placeholder 2"/>
+          <p:cNvSpPr>
+            <a:spLocks noGrp="1"/>
+          </p:cNvSpPr>
+          <p:nvPr>
+            <p:ph idx="1"/>
+          </p:nvPr>
+        </p:nvSpPr>
+        <p:spPr/>
+        <p:txBody>
+          <a:bodyPr/>
+          <a:lstStyle/>
+          <a:p>
+            <a:r>
+              <a:rPr lang="en-US" dirty="0"/>
+              <a:t>We took a </a:t>
+            </a:r>
+            <a:r>
+              <a:rPr lang="en-US" b="1" dirty="0"/>
+              <a:t>statistical approach to learning</a:t>
+            </a:r>
+            <a:r>
+              <a:rPr lang="en-US" dirty="0"/>
+              <a:t> which acknowledges our uncertainty and noise in the data science process</a:t>
+            </a:r>
+          </a:p>
+          <a:p>
+            <a:r>
+              <a:rPr lang="en-US" dirty="0"/>
+              <a:t>We defined a </a:t>
+            </a:r>
+            <a:r>
+              <a:rPr lang="en-US" b="1" dirty="0"/>
+              <a:t>model </a:t>
+            </a:r>
+            <a:r>
+              <a:rPr lang="en-US" dirty="0"/>
+              <a:t>of the data</a:t>
+            </a:r>
+          </a:p>
+          <a:p>
+            <a:r>
+              <a:rPr lang="en-US" dirty="0"/>
+              <a:t>We estimated the parameters using </a:t>
+            </a:r>
+            <a:r>
+              <a:rPr lang="en-US" b="1" dirty="0"/>
+              <a:t>training data</a:t>
+            </a:r>
+          </a:p>
+          <a:p>
+            <a:r>
+              <a:rPr lang="en-US" dirty="0"/>
+              <a:t>We used the model to </a:t>
+            </a:r>
+            <a:r>
+              <a:rPr lang="en-US" b="1" dirty="0"/>
+              <a:t>predict </a:t>
+            </a:r>
+            <a:r>
+              <a:rPr lang="en-US" dirty="0"/>
+              <a:t>or </a:t>
+            </a:r>
+            <a:r>
+              <a:rPr lang="en-US" b="1" dirty="0"/>
+              <a:t>interpret</a:t>
+            </a:r>
+            <a:r>
+              <a:rPr lang="en-US" dirty="0"/>
+              <a:t> the results</a:t>
+            </a:r>
+          </a:p>
+          <a:p>
+            <a:r>
+              <a:rPr lang="en-US" dirty="0"/>
+              <a:t>We could use </a:t>
+            </a:r>
+            <a:r>
+              <a:rPr lang="en-US" b="1" dirty="0"/>
+              <a:t>supervised </a:t>
+            </a:r>
+            <a:r>
+              <a:rPr lang="en-US" dirty="0"/>
+              <a:t>or </a:t>
+            </a:r>
+            <a:r>
+              <a:rPr lang="en-US" b="1" dirty="0"/>
+              <a:t>unsupervised</a:t>
+            </a:r>
+            <a:r>
+              <a:rPr lang="en-US" dirty="0"/>
+              <a:t> learning to find relationships between variables</a:t>
+            </a:r>
+          </a:p>
+          <a:p>
+            <a:r>
+              <a:rPr lang="en-US" dirty="0"/>
+              <a:t>If variables are not quantitative, we used classification models.</a:t>
+            </a:r>
+          </a:p>
+        </p:txBody>
+      </p:sp>
+    </p:spTree>
+    <p:extLst>
+      <p:ext uri="{BB962C8B-B14F-4D97-AF65-F5344CB8AC3E}">
+        <p14:creationId xmlns:p14="http://schemas.microsoft.com/office/powerpoint/2010/main" val="171484714"/>
+      </p:ext>
+    </p:extLst>
+  </p:cSld>
+  <p:clrMapOvr>
+    <a:masterClrMapping/>
+  </p:clrMapOvr>
+</p:sld>
+</file>
+
+<file path=ppt/slides/slide30.xml><?xml version="1.0" encoding="utf-8"?>
 <p:sld xmlns:a="http://schemas.openxmlformats.org/drawingml/2006/main" xmlns:r="http://schemas.openxmlformats.org/officeDocument/2006/relationships" xmlns:p="http://schemas.openxmlformats.org/presentationml/2006/main">
   <p:cSld>
     <p:spTree>
@@ -20091,159 +19263,7 @@
 </p:sld>
 </file>
 
-<file path=ppt/slides/slide33.xml><?xml version="1.0" encoding="utf-8"?>
-<p:sld xmlns:a="http://schemas.openxmlformats.org/drawingml/2006/main" xmlns:r="http://schemas.openxmlformats.org/officeDocument/2006/relationships" xmlns:p="http://schemas.openxmlformats.org/presentationml/2006/main">
-  <p:cSld>
-    <p:spTree>
-      <p:nvGrpSpPr>
-        <p:cNvPr id="1" name=""/>
-        <p:cNvGrpSpPr/>
-        <p:nvPr/>
-      </p:nvGrpSpPr>
-      <p:grpSpPr>
-        <a:xfrm>
-          <a:off x="0" y="0"/>
-          <a:ext cx="0" cy="0"/>
-          <a:chOff x="0" y="0"/>
-          <a:chExt cx="0" cy="0"/>
-        </a:xfrm>
-      </p:grpSpPr>
-      <p:sp>
-        <p:nvSpPr>
-          <p:cNvPr id="2" name="Title 1"/>
-          <p:cNvSpPr>
-            <a:spLocks noGrp="1"/>
-          </p:cNvSpPr>
-          <p:nvPr>
-            <p:ph type="title"/>
-          </p:nvPr>
-        </p:nvSpPr>
-        <p:spPr/>
-        <p:txBody>
-          <a:bodyPr/>
-          <a:lstStyle/>
-          <a:p>
-            <a:r>
-              <a:rPr lang="en-US" dirty="0"/>
-              <a:t>Classification in diabetes example</a:t>
-            </a:r>
-          </a:p>
-        </p:txBody>
-      </p:sp>
-      <p:sp>
-        <p:nvSpPr>
-          <p:cNvPr id="3" name="Content Placeholder 2"/>
-          <p:cNvSpPr>
-            <a:spLocks noGrp="1"/>
-          </p:cNvSpPr>
-          <p:nvPr>
-            <p:ph idx="1"/>
-          </p:nvPr>
-        </p:nvSpPr>
-        <p:spPr>
-          <a:xfrm>
-            <a:off x="838200" y="1825625"/>
-            <a:ext cx="10515600" cy="1372053"/>
-          </a:xfrm>
-        </p:spPr>
-        <p:txBody>
-          <a:bodyPr>
-            <a:normAutofit fontScale="92500" lnSpcReduction="10000"/>
-          </a:bodyPr>
-          <a:lstStyle/>
-          <a:p>
-            <a:r>
-              <a:rPr lang="en-US" dirty="0"/>
-              <a:t>Let’s assume that disease progression greater than 250 is really bad</a:t>
-            </a:r>
-          </a:p>
-          <a:p>
-            <a:r>
-              <a:rPr lang="en-US" dirty="0"/>
-              <a:t>We want to predict really bad progressions</a:t>
-            </a:r>
-          </a:p>
-          <a:p>
-            <a:r>
-              <a:rPr lang="en-US" dirty="0"/>
-              <a:t>Unbalanced because 10% of people have bad levels of progression</a:t>
-            </a:r>
-          </a:p>
-        </p:txBody>
-      </p:sp>
-      <p:pic>
-        <p:nvPicPr>
-          <p:cNvPr id="4" name="Picture 3"/>
-          <p:cNvPicPr>
-            <a:picLocks noChangeAspect="1"/>
-          </p:cNvPicPr>
-          <p:nvPr/>
-        </p:nvPicPr>
-        <p:blipFill>
-          <a:blip r:embed="rId2"/>
-          <a:stretch>
-            <a:fillRect/>
-          </a:stretch>
-        </p:blipFill>
-        <p:spPr>
-          <a:xfrm>
-            <a:off x="1582058" y="3197678"/>
-            <a:ext cx="4978400" cy="3467100"/>
-          </a:xfrm>
-          <a:prstGeom prst="rect">
-            <a:avLst/>
-          </a:prstGeom>
-        </p:spPr>
-      </p:pic>
-      <p:sp>
-        <p:nvSpPr>
-          <p:cNvPr id="5" name="TextBox 4"/>
-          <p:cNvSpPr txBox="1"/>
-          <p:nvPr/>
-        </p:nvSpPr>
-        <p:spPr>
-          <a:xfrm>
-            <a:off x="7304316" y="4100231"/>
-            <a:ext cx="4501489" cy="1015663"/>
-          </a:xfrm>
-          <a:prstGeom prst="rect">
-            <a:avLst/>
-          </a:prstGeom>
-          <a:noFill/>
-        </p:spPr>
-        <p:txBody>
-          <a:bodyPr wrap="none" rtlCol="0">
-            <a:spAutoFit/>
-          </a:bodyPr>
-          <a:lstStyle/>
-          <a:p>
-            <a:r>
-              <a:rPr lang="en-US" sz="3000" dirty="0"/>
-              <a:t>Area under the curve = 0.9</a:t>
-            </a:r>
-          </a:p>
-          <a:p>
-            <a:r>
-              <a:rPr lang="en-US" sz="3000" dirty="0"/>
-              <a:t>Using all predictor variables</a:t>
-            </a:r>
-          </a:p>
-        </p:txBody>
-      </p:sp>
-    </p:spTree>
-    <p:extLst>
-      <p:ext uri="{BB962C8B-B14F-4D97-AF65-F5344CB8AC3E}">
-        <p14:creationId xmlns:p14="http://schemas.microsoft.com/office/powerpoint/2010/main" val="878299567"/>
-      </p:ext>
-    </p:extLst>
-  </p:cSld>
-  <p:clrMapOvr>
-    <a:masterClrMapping/>
-  </p:clrMapOvr>
-</p:sld>
-</file>
-
-<file path=ppt/slides/slide34.xml><?xml version="1.0" encoding="utf-8"?>
+<file path=ppt/slides/slide31.xml><?xml version="1.0" encoding="utf-8"?>
 <p:sld xmlns:a="http://schemas.openxmlformats.org/drawingml/2006/main" xmlns:r="http://schemas.openxmlformats.org/officeDocument/2006/relationships" xmlns:p="http://schemas.openxmlformats.org/presentationml/2006/main">
   <p:cSld>
     <p:bg>
@@ -30889,7 +29909,7 @@
 </p:sld>
 </file>
 
-<file path=ppt/slides/slide35.xml><?xml version="1.0" encoding="utf-8"?>
+<file path=ppt/slides/slide32.xml><?xml version="1.0" encoding="utf-8"?>
 <p:sld xmlns:a="http://schemas.openxmlformats.org/drawingml/2006/main" xmlns:r="http://schemas.openxmlformats.org/officeDocument/2006/relationships" xmlns:p="http://schemas.openxmlformats.org/presentationml/2006/main">
   <p:cSld>
     <p:spTree>
@@ -31261,7 +30281,7 @@
             </a:pPr>
             <a:r>
               <a:rPr lang="en-US" sz="2000" dirty="0"/>
-              <a:t>Best to maintain order for models like linear regression</a:t>
+              <a:t>Rule of thumb: Best to maintain order for models like linear regression</a:t>
             </a:r>
           </a:p>
         </p:txBody>
@@ -31279,7 +30299,7 @@
 </p:sld>
 </file>
 
-<file path=ppt/slides/slide36.xml><?xml version="1.0" encoding="utf-8"?>
+<file path=ppt/slides/slide33.xml><?xml version="1.0" encoding="utf-8"?>
 <p:sld xmlns:a="http://schemas.openxmlformats.org/drawingml/2006/main" xmlns:r="http://schemas.openxmlformats.org/officeDocument/2006/relationships" xmlns:p="http://schemas.openxmlformats.org/presentationml/2006/main">
   <p:cSld>
     <p:spTree>
@@ -31522,8 +30542,13 @@
             </a:pPr>
             <a:r>
               <a:rPr lang="en-US" sz="2400" dirty="0"/>
-              <a:t>If there are only 2 categories, can simply encode as 0 / 1</a:t>
-            </a:r>
+              <a:t>If there are only 2 categories, can simply encode as 0 </a:t>
+            </a:r>
+            <a:r>
+              <a:rPr lang="en-US" sz="2400"/>
+              <a:t>/ 1</a:t>
+            </a:r>
+            <a:endParaRPr lang="en-US" sz="2400" dirty="0"/>
           </a:p>
         </p:txBody>
       </p:sp>
@@ -31540,7 +30565,7 @@
 </p:sld>
 </file>
 
-<file path=ppt/slides/slide37.xml><?xml version="1.0" encoding="utf-8"?>
+<file path=ppt/slides/slide34.xml><?xml version="1.0" encoding="utf-8"?>
 <p:sld xmlns:a="http://schemas.openxmlformats.org/drawingml/2006/main" xmlns:r="http://schemas.openxmlformats.org/officeDocument/2006/relationships" xmlns:p="http://schemas.openxmlformats.org/presentationml/2006/main">
   <p:cSld>
     <p:spTree>
@@ -31958,7 +30983,7 @@
 </p:sld>
 </file>
 
-<file path=ppt/slides/slide38.xml><?xml version="1.0" encoding="utf-8"?>
+<file path=ppt/slides/slide35.xml><?xml version="1.0" encoding="utf-8"?>
 <p:sld xmlns:a="http://schemas.openxmlformats.org/drawingml/2006/main" xmlns:r="http://schemas.openxmlformats.org/officeDocument/2006/relationships" xmlns:p="http://schemas.openxmlformats.org/presentationml/2006/main">
   <p:cSld>
     <p:spTree>
@@ -32062,7 +31087,7 @@
 </p:sld>
 </file>
 
-<file path=ppt/slides/slide39.xml><?xml version="1.0" encoding="utf-8"?>
+<file path=ppt/slides/slide36.xml><?xml version="1.0" encoding="utf-8"?>
 <p:sld xmlns:a="http://schemas.openxmlformats.org/drawingml/2006/main" xmlns:r="http://schemas.openxmlformats.org/officeDocument/2006/relationships" xmlns:p="http://schemas.openxmlformats.org/presentationml/2006/main">
   <p:cSld>
     <p:spTree>
@@ -32126,7 +31151,7 @@
         <p:spPr/>
         <p:txBody>
           <a:bodyPr>
-            <a:normAutofit lnSpcReduction="10000"/>
+            <a:normAutofit fontScale="92500"/>
           </a:bodyPr>
           <a:lstStyle/>
           <a:p>
@@ -32152,7 +31177,7 @@
           <a:p>
             <a:r>
               <a:rPr lang="en-US" dirty="0"/>
-              <a:t>Some algorithms require standardization.  For example, deep learning might not show any training performance improvement unless you standardize or normalize the data</a:t>
+              <a:t>Some algorithms require standardization.  For example, deep learning might not show any training performance improvement unless you standardize or normalize (normalizing is different from standardization) the data</a:t>
             </a:r>
           </a:p>
           <a:p>
@@ -32173,6 +31198,338 @@
     <p:extLst>
       <p:ext uri="{BB962C8B-B14F-4D97-AF65-F5344CB8AC3E}">
         <p14:creationId xmlns:p14="http://schemas.microsoft.com/office/powerpoint/2010/main" val="3406371270"/>
+      </p:ext>
+    </p:extLst>
+  </p:cSld>
+  <p:clrMapOvr>
+    <a:masterClrMapping/>
+  </p:clrMapOvr>
+</p:sld>
+</file>
+
+<file path=ppt/slides/slide37.xml><?xml version="1.0" encoding="utf-8"?>
+<p:sld xmlns:a="http://schemas.openxmlformats.org/drawingml/2006/main" xmlns:r="http://schemas.openxmlformats.org/officeDocument/2006/relationships" xmlns:p="http://schemas.openxmlformats.org/presentationml/2006/main">
+  <p:cSld>
+    <p:spTree>
+      <p:nvGrpSpPr>
+        <p:cNvPr id="1" name=""/>
+        <p:cNvGrpSpPr/>
+        <p:nvPr/>
+      </p:nvGrpSpPr>
+      <p:grpSpPr>
+        <a:xfrm>
+          <a:off x="0" y="0"/>
+          <a:ext cx="0" cy="0"/>
+          <a:chOff x="0" y="0"/>
+          <a:chExt cx="0" cy="0"/>
+        </a:xfrm>
+      </p:grpSpPr>
+      <p:sp>
+        <p:nvSpPr>
+          <p:cNvPr id="2" name="Title 1">
+            <a:extLst>
+              <a:ext uri="{FF2B5EF4-FFF2-40B4-BE49-F238E27FC236}">
+                <a16:creationId xmlns:a16="http://schemas.microsoft.com/office/drawing/2014/main" id="{AC88C573-C0E8-43A1-98F0-0E42201E0DF5}"/>
+              </a:ext>
+            </a:extLst>
+          </p:cNvPr>
+          <p:cNvSpPr>
+            <a:spLocks noGrp="1"/>
+          </p:cNvSpPr>
+          <p:nvPr>
+            <p:ph type="title"/>
+          </p:nvPr>
+        </p:nvSpPr>
+        <p:spPr/>
+        <p:txBody>
+          <a:bodyPr/>
+          <a:lstStyle/>
+          <a:p>
+            <a:r>
+              <a:rPr lang="en-US" dirty="0"/>
+              <a:t>Standard Scaling</a:t>
+            </a:r>
+          </a:p>
+        </p:txBody>
+      </p:sp>
+      <p:sp>
+        <p:nvSpPr>
+          <p:cNvPr id="3" name="Content Placeholder 2">
+            <a:extLst>
+              <a:ext uri="{FF2B5EF4-FFF2-40B4-BE49-F238E27FC236}">
+                <a16:creationId xmlns:a16="http://schemas.microsoft.com/office/drawing/2014/main" id="{53F31D31-B147-4285-B2B4-46EEB80DAAC9}"/>
+              </a:ext>
+            </a:extLst>
+          </p:cNvPr>
+          <p:cNvSpPr>
+            <a:spLocks noGrp="1"/>
+          </p:cNvSpPr>
+          <p:nvPr>
+            <p:ph idx="1"/>
+          </p:nvPr>
+        </p:nvSpPr>
+        <p:spPr/>
+        <p:txBody>
+          <a:bodyPr/>
+          <a:lstStyle/>
+          <a:p>
+            <a:r>
+              <a:rPr lang="en-US" dirty="0"/>
+              <a:t>In spark, see the </a:t>
+            </a:r>
+            <a:r>
+              <a:rPr lang="en-US" dirty="0" err="1"/>
+              <a:t>StandardScaler</a:t>
+            </a:r>
+            <a:r>
+              <a:rPr lang="en-US" dirty="0"/>
+              <a:t> object</a:t>
+            </a:r>
+          </a:p>
+          <a:p>
+            <a:r>
+              <a:rPr lang="en-US" dirty="0"/>
+              <a:t>The correct way to apply the standard scaler is to scale the training split, then apply the training mean and training standard deviation to scale the test and validation splits.</a:t>
+            </a:r>
+          </a:p>
+          <a:p>
+            <a:r>
+              <a:rPr lang="en-US" dirty="0"/>
+              <a:t>See </a:t>
+            </a:r>
+            <a:r>
+              <a:rPr lang="en-US" dirty="0">
+                <a:hlinkClick r:id="rId2"/>
+              </a:rPr>
+              <a:t>https://sebastianraschka.com/faq/docs/scale-training-test.html</a:t>
+            </a:r>
+            <a:r>
+              <a:rPr lang="en-US" dirty="0"/>
+              <a:t> for a concise example.</a:t>
+            </a:r>
+          </a:p>
+        </p:txBody>
+      </p:sp>
+    </p:spTree>
+    <p:extLst>
+      <p:ext uri="{BB962C8B-B14F-4D97-AF65-F5344CB8AC3E}">
+        <p14:creationId xmlns:p14="http://schemas.microsoft.com/office/powerpoint/2010/main" val="1625345649"/>
+      </p:ext>
+    </p:extLst>
+  </p:cSld>
+  <p:clrMapOvr>
+    <a:masterClrMapping/>
+  </p:clrMapOvr>
+</p:sld>
+</file>
+
+<file path=ppt/slides/slide38.xml><?xml version="1.0" encoding="utf-8"?>
+<p:sld xmlns:a="http://schemas.openxmlformats.org/drawingml/2006/main" xmlns:r="http://schemas.openxmlformats.org/officeDocument/2006/relationships" xmlns:p="http://schemas.openxmlformats.org/presentationml/2006/main">
+  <p:cSld>
+    <p:spTree>
+      <p:nvGrpSpPr>
+        <p:cNvPr id="1" name=""/>
+        <p:cNvGrpSpPr/>
+        <p:nvPr/>
+      </p:nvGrpSpPr>
+      <p:grpSpPr>
+        <a:xfrm>
+          <a:off x="0" y="0"/>
+          <a:ext cx="0" cy="0"/>
+          <a:chOff x="0" y="0"/>
+          <a:chExt cx="0" cy="0"/>
+        </a:xfrm>
+      </p:grpSpPr>
+      <p:sp>
+        <p:nvSpPr>
+          <p:cNvPr id="2" name="Title 1">
+            <a:extLst>
+              <a:ext uri="{FF2B5EF4-FFF2-40B4-BE49-F238E27FC236}">
+                <a16:creationId xmlns:a16="http://schemas.microsoft.com/office/drawing/2014/main" id="{9794A959-B778-4AE4-B85C-7CCD67B2D1C2}"/>
+              </a:ext>
+            </a:extLst>
+          </p:cNvPr>
+          <p:cNvSpPr>
+            <a:spLocks noGrp="1"/>
+          </p:cNvSpPr>
+          <p:nvPr>
+            <p:ph type="title"/>
+          </p:nvPr>
+        </p:nvSpPr>
+        <p:spPr/>
+        <p:txBody>
+          <a:bodyPr/>
+          <a:lstStyle/>
+          <a:p>
+            <a:r>
+              <a:rPr lang="en-US" dirty="0"/>
+              <a:t>Standardization in linear regression inference</a:t>
+            </a:r>
+          </a:p>
+        </p:txBody>
+      </p:sp>
+      <p:sp>
+        <p:nvSpPr>
+          <p:cNvPr id="3" name="Content Placeholder 2">
+            <a:extLst>
+              <a:ext uri="{FF2B5EF4-FFF2-40B4-BE49-F238E27FC236}">
+                <a16:creationId xmlns:a16="http://schemas.microsoft.com/office/drawing/2014/main" id="{BE684BB8-2226-4387-A356-FE98DC25DF1F}"/>
+              </a:ext>
+            </a:extLst>
+          </p:cNvPr>
+          <p:cNvSpPr>
+            <a:spLocks noGrp="1"/>
+          </p:cNvSpPr>
+          <p:nvPr>
+            <p:ph idx="1"/>
+          </p:nvPr>
+        </p:nvSpPr>
+        <p:spPr/>
+        <p:txBody>
+          <a:bodyPr>
+            <a:normAutofit lnSpcReduction="10000"/>
+          </a:bodyPr>
+          <a:lstStyle/>
+          <a:p>
+            <a:r>
+              <a:rPr lang="en-US" dirty="0"/>
+              <a:t>Example:  In linear regression, instead of thinking about one unit increase in horsepower, think about one standard deviation increase in horsepower</a:t>
+            </a:r>
+          </a:p>
+          <a:p>
+            <a:r>
+              <a:rPr lang="en-US" dirty="0"/>
+              <a:t>What about categorical variables?</a:t>
+            </a:r>
+          </a:p>
+          <a:p>
+            <a:pPr lvl="1"/>
+            <a:r>
+              <a:rPr lang="en-US" dirty="0"/>
+              <a:t>If it makes sense to talk about one standard deviation increase in a categorical variable, then it makes sense to include the categorical variable in inference</a:t>
+            </a:r>
+          </a:p>
+          <a:p>
+            <a:pPr lvl="1"/>
+            <a:r>
+              <a:rPr lang="en-US" dirty="0"/>
+              <a:t>Ordinal data is more likely to make sense.  For example, it might make sense to include number of cylinders in car data but exclude a male / female column.</a:t>
+            </a:r>
+          </a:p>
+          <a:p>
+            <a:r>
+              <a:rPr lang="en-US" dirty="0"/>
+              <a:t>Inference:  We are comparing coefficient (slope) standard deviation changes between variables</a:t>
+            </a:r>
+          </a:p>
+        </p:txBody>
+      </p:sp>
+    </p:spTree>
+    <p:extLst>
+      <p:ext uri="{BB962C8B-B14F-4D97-AF65-F5344CB8AC3E}">
+        <p14:creationId xmlns:p14="http://schemas.microsoft.com/office/powerpoint/2010/main" val="1754288231"/>
+      </p:ext>
+    </p:extLst>
+  </p:cSld>
+  <p:clrMapOvr>
+    <a:masterClrMapping/>
+  </p:clrMapOvr>
+</p:sld>
+</file>
+
+<file path=ppt/slides/slide39.xml><?xml version="1.0" encoding="utf-8"?>
+<p:sld xmlns:a="http://schemas.openxmlformats.org/drawingml/2006/main" xmlns:r="http://schemas.openxmlformats.org/officeDocument/2006/relationships" xmlns:p="http://schemas.openxmlformats.org/presentationml/2006/main">
+  <p:cSld>
+    <p:spTree>
+      <p:nvGrpSpPr>
+        <p:cNvPr id="1" name=""/>
+        <p:cNvGrpSpPr/>
+        <p:nvPr/>
+      </p:nvGrpSpPr>
+      <p:grpSpPr>
+        <a:xfrm>
+          <a:off x="0" y="0"/>
+          <a:ext cx="0" cy="0"/>
+          <a:chOff x="0" y="0"/>
+          <a:chExt cx="0" cy="0"/>
+        </a:xfrm>
+      </p:grpSpPr>
+      <p:sp>
+        <p:nvSpPr>
+          <p:cNvPr id="2" name="Title 1">
+            <a:extLst>
+              <a:ext uri="{FF2B5EF4-FFF2-40B4-BE49-F238E27FC236}">
+                <a16:creationId xmlns:a16="http://schemas.microsoft.com/office/drawing/2014/main" id="{D9354A20-97BD-4F09-9BED-94BB7F77BD87}"/>
+              </a:ext>
+            </a:extLst>
+          </p:cNvPr>
+          <p:cNvSpPr>
+            <a:spLocks noGrp="1"/>
+          </p:cNvSpPr>
+          <p:nvPr>
+            <p:ph type="title"/>
+          </p:nvPr>
+        </p:nvSpPr>
+        <p:spPr/>
+        <p:txBody>
+          <a:bodyPr/>
+          <a:lstStyle/>
+          <a:p>
+            <a:r>
+              <a:rPr lang="en-US" dirty="0"/>
+              <a:t>Attendance</a:t>
+            </a:r>
+          </a:p>
+        </p:txBody>
+      </p:sp>
+      <p:sp>
+        <p:nvSpPr>
+          <p:cNvPr id="3" name="Content Placeholder 2">
+            <a:extLst>
+              <a:ext uri="{FF2B5EF4-FFF2-40B4-BE49-F238E27FC236}">
+                <a16:creationId xmlns:a16="http://schemas.microsoft.com/office/drawing/2014/main" id="{997BC222-2031-4633-BC50-6F9ECECB3E53}"/>
+              </a:ext>
+            </a:extLst>
+          </p:cNvPr>
+          <p:cNvSpPr>
+            <a:spLocks noGrp="1"/>
+          </p:cNvSpPr>
+          <p:nvPr>
+            <p:ph idx="1"/>
+          </p:nvPr>
+        </p:nvSpPr>
+        <p:spPr/>
+        <p:txBody>
+          <a:bodyPr/>
+          <a:lstStyle/>
+          <a:p>
+            <a:r>
+              <a:rPr lang="en-US" dirty="0"/>
+              <a:t>Please fill out the attendance sheet: </a:t>
+            </a:r>
+            <a:r>
+              <a:rPr lang="en-US" dirty="0">
+                <a:hlinkClick r:id="rId2"/>
+              </a:rPr>
+              <a:t>https://docs.google.com/spreadsheets/d/1G5tiqXQn9mwyubWdINtPI_QONXH1_2U8oYikksgWlss/edit?usp=sharing</a:t>
+            </a:r>
+            <a:r>
+              <a:rPr lang="en-US" dirty="0"/>
+              <a:t> </a:t>
+            </a:r>
+          </a:p>
+          <a:p>
+            <a:r>
+              <a:rPr lang="en-US" dirty="0"/>
+              <a:t>Write in a ‘1’ if you are present</a:t>
+            </a:r>
+          </a:p>
+        </p:txBody>
+      </p:sp>
+    </p:spTree>
+    <p:extLst>
+      <p:ext uri="{BB962C8B-B14F-4D97-AF65-F5344CB8AC3E}">
+        <p14:creationId xmlns:p14="http://schemas.microsoft.com/office/powerpoint/2010/main" val="1139644788"/>
       </p:ext>
     </p:extLst>
   </p:cSld>
@@ -32319,344 +31676,6 @@
     <p:extLst>
       <p:ext uri="{BB962C8B-B14F-4D97-AF65-F5344CB8AC3E}">
         <p14:creationId xmlns:p14="http://schemas.microsoft.com/office/powerpoint/2010/main" val="910819727"/>
-      </p:ext>
-    </p:extLst>
-  </p:cSld>
-  <p:clrMapOvr>
-    <a:masterClrMapping/>
-  </p:clrMapOvr>
-</p:sld>
-</file>
-
-<file path=ppt/slides/slide40.xml><?xml version="1.0" encoding="utf-8"?>
-<p:sld xmlns:a="http://schemas.openxmlformats.org/drawingml/2006/main" xmlns:r="http://schemas.openxmlformats.org/officeDocument/2006/relationships" xmlns:p="http://schemas.openxmlformats.org/presentationml/2006/main">
-  <p:cSld>
-    <p:spTree>
-      <p:nvGrpSpPr>
-        <p:cNvPr id="1" name=""/>
-        <p:cNvGrpSpPr/>
-        <p:nvPr/>
-      </p:nvGrpSpPr>
-      <p:grpSpPr>
-        <a:xfrm>
-          <a:off x="0" y="0"/>
-          <a:ext cx="0" cy="0"/>
-          <a:chOff x="0" y="0"/>
-          <a:chExt cx="0" cy="0"/>
-        </a:xfrm>
-      </p:grpSpPr>
-      <p:sp>
-        <p:nvSpPr>
-          <p:cNvPr id="2" name="Title 1">
-            <a:extLst>
-              <a:ext uri="{FF2B5EF4-FFF2-40B4-BE49-F238E27FC236}">
-                <a16:creationId xmlns:a16="http://schemas.microsoft.com/office/drawing/2014/main" id="{AC88C573-C0E8-43A1-98F0-0E42201E0DF5}"/>
-              </a:ext>
-            </a:extLst>
-          </p:cNvPr>
-          <p:cNvSpPr>
-            <a:spLocks noGrp="1"/>
-          </p:cNvSpPr>
-          <p:nvPr>
-            <p:ph type="title"/>
-          </p:nvPr>
-        </p:nvSpPr>
-        <p:spPr/>
-        <p:txBody>
-          <a:bodyPr/>
-          <a:lstStyle/>
-          <a:p>
-            <a:r>
-              <a:rPr lang="en-US" dirty="0"/>
-              <a:t>Standard Scaling</a:t>
-            </a:r>
-          </a:p>
-        </p:txBody>
-      </p:sp>
-      <p:sp>
-        <p:nvSpPr>
-          <p:cNvPr id="3" name="Content Placeholder 2">
-            <a:extLst>
-              <a:ext uri="{FF2B5EF4-FFF2-40B4-BE49-F238E27FC236}">
-                <a16:creationId xmlns:a16="http://schemas.microsoft.com/office/drawing/2014/main" id="{53F31D31-B147-4285-B2B4-46EEB80DAAC9}"/>
-              </a:ext>
-            </a:extLst>
-          </p:cNvPr>
-          <p:cNvSpPr>
-            <a:spLocks noGrp="1"/>
-          </p:cNvSpPr>
-          <p:nvPr>
-            <p:ph idx="1"/>
-          </p:nvPr>
-        </p:nvSpPr>
-        <p:spPr/>
-        <p:txBody>
-          <a:bodyPr/>
-          <a:lstStyle/>
-          <a:p>
-            <a:r>
-              <a:rPr lang="en-US" dirty="0"/>
-              <a:t>In spark, see the </a:t>
-            </a:r>
-            <a:r>
-              <a:rPr lang="en-US" dirty="0" err="1"/>
-              <a:t>StandardScaler</a:t>
-            </a:r>
-            <a:r>
-              <a:rPr lang="en-US" dirty="0"/>
-              <a:t> object</a:t>
-            </a:r>
-          </a:p>
-          <a:p>
-            <a:r>
-              <a:rPr lang="en-US" dirty="0"/>
-              <a:t>The correct way to apply the standard scaler is to scale the training split, then apply the training mean and training standard deviation to scale the test and validation splits.</a:t>
-            </a:r>
-          </a:p>
-          <a:p>
-            <a:r>
-              <a:rPr lang="en-US" dirty="0"/>
-              <a:t>See </a:t>
-            </a:r>
-            <a:r>
-              <a:rPr lang="en-US" dirty="0">
-                <a:hlinkClick r:id="rId2"/>
-              </a:rPr>
-              <a:t>https://sebastianraschka.com/faq/docs/scale-training-test.html</a:t>
-            </a:r>
-            <a:r>
-              <a:rPr lang="en-US" dirty="0"/>
-              <a:t> for a concise example.</a:t>
-            </a:r>
-          </a:p>
-          <a:p>
-            <a:r>
-              <a:rPr lang="en-US" dirty="0"/>
-              <a:t>We expect you to apply the standard scaler correctly on the homework</a:t>
-            </a:r>
-          </a:p>
-        </p:txBody>
-      </p:sp>
-    </p:spTree>
-    <p:extLst>
-      <p:ext uri="{BB962C8B-B14F-4D97-AF65-F5344CB8AC3E}">
-        <p14:creationId xmlns:p14="http://schemas.microsoft.com/office/powerpoint/2010/main" val="1625345649"/>
-      </p:ext>
-    </p:extLst>
-  </p:cSld>
-  <p:clrMapOvr>
-    <a:masterClrMapping/>
-  </p:clrMapOvr>
-</p:sld>
-</file>
-
-<file path=ppt/slides/slide41.xml><?xml version="1.0" encoding="utf-8"?>
-<p:sld xmlns:a="http://schemas.openxmlformats.org/drawingml/2006/main" xmlns:r="http://schemas.openxmlformats.org/officeDocument/2006/relationships" xmlns:p="http://schemas.openxmlformats.org/presentationml/2006/main">
-  <p:cSld>
-    <p:spTree>
-      <p:nvGrpSpPr>
-        <p:cNvPr id="1" name=""/>
-        <p:cNvGrpSpPr/>
-        <p:nvPr/>
-      </p:nvGrpSpPr>
-      <p:grpSpPr>
-        <a:xfrm>
-          <a:off x="0" y="0"/>
-          <a:ext cx="0" cy="0"/>
-          <a:chOff x="0" y="0"/>
-          <a:chExt cx="0" cy="0"/>
-        </a:xfrm>
-      </p:grpSpPr>
-      <p:sp>
-        <p:nvSpPr>
-          <p:cNvPr id="2" name="Title 1">
-            <a:extLst>
-              <a:ext uri="{FF2B5EF4-FFF2-40B4-BE49-F238E27FC236}">
-                <a16:creationId xmlns:a16="http://schemas.microsoft.com/office/drawing/2014/main" id="{9794A959-B778-4AE4-B85C-7CCD67B2D1C2}"/>
-              </a:ext>
-            </a:extLst>
-          </p:cNvPr>
-          <p:cNvSpPr>
-            <a:spLocks noGrp="1"/>
-          </p:cNvSpPr>
-          <p:nvPr>
-            <p:ph type="title"/>
-          </p:nvPr>
-        </p:nvSpPr>
-        <p:spPr/>
-        <p:txBody>
-          <a:bodyPr/>
-          <a:lstStyle/>
-          <a:p>
-            <a:r>
-              <a:rPr lang="en-US" dirty="0"/>
-              <a:t>Standardization in linear regression inference</a:t>
-            </a:r>
-          </a:p>
-        </p:txBody>
-      </p:sp>
-      <p:sp>
-        <p:nvSpPr>
-          <p:cNvPr id="3" name="Content Placeholder 2">
-            <a:extLst>
-              <a:ext uri="{FF2B5EF4-FFF2-40B4-BE49-F238E27FC236}">
-                <a16:creationId xmlns:a16="http://schemas.microsoft.com/office/drawing/2014/main" id="{BE684BB8-2226-4387-A356-FE98DC25DF1F}"/>
-              </a:ext>
-            </a:extLst>
-          </p:cNvPr>
-          <p:cNvSpPr>
-            <a:spLocks noGrp="1"/>
-          </p:cNvSpPr>
-          <p:nvPr>
-            <p:ph idx="1"/>
-          </p:nvPr>
-        </p:nvSpPr>
-        <p:spPr/>
-        <p:txBody>
-          <a:bodyPr>
-            <a:normAutofit lnSpcReduction="10000"/>
-          </a:bodyPr>
-          <a:lstStyle/>
-          <a:p>
-            <a:r>
-              <a:rPr lang="en-US" dirty="0"/>
-              <a:t>Example:  In linear regression, instead of thinking about one unit increase in horsepower, think about one standard deviation increase in horsepower</a:t>
-            </a:r>
-          </a:p>
-          <a:p>
-            <a:r>
-              <a:rPr lang="en-US" dirty="0"/>
-              <a:t>What about categorical variables?</a:t>
-            </a:r>
-          </a:p>
-          <a:p>
-            <a:pPr lvl="1"/>
-            <a:r>
-              <a:rPr lang="en-US" dirty="0"/>
-              <a:t>If it makes sense to talk about one standard deviation increase in a categorical variable, then it makes sense to include the categorical variable in inference</a:t>
-            </a:r>
-          </a:p>
-          <a:p>
-            <a:pPr lvl="1"/>
-            <a:r>
-              <a:rPr lang="en-US" dirty="0"/>
-              <a:t>Ordinal data is more likely to make sense.  For example, it might make sense to include number of cylinders in car data but exclude a male / female column.</a:t>
-            </a:r>
-          </a:p>
-          <a:p>
-            <a:r>
-              <a:rPr lang="en-US" dirty="0"/>
-              <a:t>Inference:  We are comparing coefficient (slope) standard deviation changes between variables</a:t>
-            </a:r>
-          </a:p>
-        </p:txBody>
-      </p:sp>
-    </p:spTree>
-    <p:extLst>
-      <p:ext uri="{BB962C8B-B14F-4D97-AF65-F5344CB8AC3E}">
-        <p14:creationId xmlns:p14="http://schemas.microsoft.com/office/powerpoint/2010/main" val="1754288231"/>
-      </p:ext>
-    </p:extLst>
-  </p:cSld>
-  <p:clrMapOvr>
-    <a:masterClrMapping/>
-  </p:clrMapOvr>
-</p:sld>
-</file>
-
-<file path=ppt/slides/slide42.xml><?xml version="1.0" encoding="utf-8"?>
-<p:sld xmlns:a="http://schemas.openxmlformats.org/drawingml/2006/main" xmlns:r="http://schemas.openxmlformats.org/officeDocument/2006/relationships" xmlns:p="http://schemas.openxmlformats.org/presentationml/2006/main">
-  <p:cSld>
-    <p:spTree>
-      <p:nvGrpSpPr>
-        <p:cNvPr id="1" name=""/>
-        <p:cNvGrpSpPr/>
-        <p:nvPr/>
-      </p:nvGrpSpPr>
-      <p:grpSpPr>
-        <a:xfrm>
-          <a:off x="0" y="0"/>
-          <a:ext cx="0" cy="0"/>
-          <a:chOff x="0" y="0"/>
-          <a:chExt cx="0" cy="0"/>
-        </a:xfrm>
-      </p:grpSpPr>
-      <p:sp>
-        <p:nvSpPr>
-          <p:cNvPr id="2" name="Title 1">
-            <a:extLst>
-              <a:ext uri="{FF2B5EF4-FFF2-40B4-BE49-F238E27FC236}">
-                <a16:creationId xmlns:a16="http://schemas.microsoft.com/office/drawing/2014/main" id="{D9354A20-97BD-4F09-9BED-94BB7F77BD87}"/>
-              </a:ext>
-            </a:extLst>
-          </p:cNvPr>
-          <p:cNvSpPr>
-            <a:spLocks noGrp="1"/>
-          </p:cNvSpPr>
-          <p:nvPr>
-            <p:ph type="title"/>
-          </p:nvPr>
-        </p:nvSpPr>
-        <p:spPr/>
-        <p:txBody>
-          <a:bodyPr/>
-          <a:lstStyle/>
-          <a:p>
-            <a:r>
-              <a:rPr lang="en-US" dirty="0"/>
-              <a:t>Attendance</a:t>
-            </a:r>
-          </a:p>
-        </p:txBody>
-      </p:sp>
-      <p:sp>
-        <p:nvSpPr>
-          <p:cNvPr id="3" name="Content Placeholder 2">
-            <a:extLst>
-              <a:ext uri="{FF2B5EF4-FFF2-40B4-BE49-F238E27FC236}">
-                <a16:creationId xmlns:a16="http://schemas.microsoft.com/office/drawing/2014/main" id="{997BC222-2031-4633-BC50-6F9ECECB3E53}"/>
-              </a:ext>
-            </a:extLst>
-          </p:cNvPr>
-          <p:cNvSpPr>
-            <a:spLocks noGrp="1"/>
-          </p:cNvSpPr>
-          <p:nvPr>
-            <p:ph idx="1"/>
-          </p:nvPr>
-        </p:nvSpPr>
-        <p:spPr/>
-        <p:txBody>
-          <a:bodyPr/>
-          <a:lstStyle/>
-          <a:p>
-            <a:r>
-              <a:rPr lang="en-US" dirty="0"/>
-              <a:t>Please fill out the attendance sheet: </a:t>
-            </a:r>
-            <a:r>
-              <a:rPr lang="en-US" dirty="0">
-                <a:hlinkClick r:id="rId2"/>
-              </a:rPr>
-              <a:t>https://docs.google.com/spreadsheets/d/1_wlasAC8pjlVRyJABrLu2-o30yytu4xOtDMJp8OAGEc?authuser=willard.e.williamson%40gmail.com&amp;usp=drive_fs</a:t>
-            </a:r>
-            <a:r>
-              <a:rPr lang="en-US" dirty="0"/>
-              <a:t> </a:t>
-            </a:r>
-          </a:p>
-          <a:p>
-            <a:r>
-              <a:rPr lang="en-US" dirty="0"/>
-              <a:t>Write in a ‘1’ if you are present</a:t>
-            </a:r>
-          </a:p>
-        </p:txBody>
-      </p:sp>
-    </p:spTree>
-    <p:extLst>
-      <p:ext uri="{BB962C8B-B14F-4D97-AF65-F5344CB8AC3E}">
-        <p14:creationId xmlns:p14="http://schemas.microsoft.com/office/powerpoint/2010/main" val="511243869"/>
       </p:ext>
     </p:extLst>
   </p:cSld>
@@ -32833,8 +31852,8 @@
           </a:p>
         </p:txBody>
       </p:sp>
-      <mc:AlternateContent xmlns:mc="http://schemas.openxmlformats.org/markup-compatibility/2006" xmlns:a14="http://schemas.microsoft.com/office/drawing/2010/main">
-        <mc:Choice Requires="a14">
+      <mc:AlternateContent xmlns:mc="http://schemas.openxmlformats.org/markup-compatibility/2006">
+        <mc:Choice xmlns:a14="http://schemas.microsoft.com/office/drawing/2010/main" Requires="a14">
           <p:sp>
             <p:nvSpPr>
               <p:cNvPr id="3" name="Content Placeholder 2"/>
@@ -33287,10 +32306,10 @@
                           </m:dPr>
                           <m:e>
                             <m:r>
-                              <a:rPr lang="en-US" sz="2800" i="1">
-                                <a:latin typeface="Cambria Math" charset="0"/>
+                              <a:rPr lang="en-US" sz="2800" b="0" i="1" smtClean="0">
+                                <a:latin typeface="Cambria Math" panose="02040503050406030204" pitchFamily="18" charset="0"/>
                               </a:rPr>
-                              <m:t>𝑌</m:t>
+                              <m:t>𝑦</m:t>
                             </m:r>
                             <m:r>
                               <a:rPr lang="en-US" sz="2800" i="1">
@@ -33326,10 +32345,10 @@
                               </m:dPr>
                               <m:e>
                                 <m:r>
-                                  <a:rPr lang="en-US" sz="2800" i="1">
-                                    <a:latin typeface="Cambria Math" charset="0"/>
+                                  <a:rPr lang="en-US" sz="2800" b="0" i="1" smtClean="0">
+                                    <a:latin typeface="Cambria Math" panose="02040503050406030204" pitchFamily="18" charset="0"/>
                                   </a:rPr>
-                                  <m:t>𝑋</m:t>
+                                  <m:t>𝑥</m:t>
                                 </m:r>
                               </m:e>
                             </m:d>
@@ -33381,7 +32400,7 @@
             </p:txBody>
           </p:sp>
         </mc:Choice>
-        <mc:Fallback xmlns="">
+        <mc:Fallback>
           <p:sp>
             <p:nvSpPr>
               <p:cNvPr id="3" name="Content Placeholder 2"/>
@@ -33540,8 +32559,8 @@
           </a:graphicData>
         </a:graphic>
       </p:graphicFrame>
-      <mc:AlternateContent xmlns:mc="http://schemas.openxmlformats.org/markup-compatibility/2006">
-        <mc:Choice xmlns:a14="http://schemas.microsoft.com/office/drawing/2010/main" Requires="a14">
+      <mc:AlternateContent xmlns:mc="http://schemas.openxmlformats.org/markup-compatibility/2006" xmlns:a14="http://schemas.microsoft.com/office/drawing/2010/main">
+        <mc:Choice Requires="a14">
           <p:sp>
             <p:nvSpPr>
               <p:cNvPr id="13" name="Content Placeholder 12"/>
@@ -33687,7 +32706,7 @@
             </p:txBody>
           </p:sp>
         </mc:Choice>
-        <mc:Fallback>
+        <mc:Fallback xmlns="">
           <p:sp>
             <p:nvSpPr>
               <p:cNvPr id="13" name="Content Placeholder 12"/>
@@ -33730,7 +32749,7 @@
         <p:spPr>
           <a:xfrm>
             <a:off x="7918049" y="5016355"/>
-            <a:ext cx="1691489" cy="369332"/>
+            <a:ext cx="1398075" cy="646331"/>
           </a:xfrm>
           <a:prstGeom prst="rect">
             <a:avLst/>
@@ -33744,8 +32763,14 @@
           <a:lstStyle/>
           <a:p>
             <a:r>
-              <a:rPr lang="en-US"/>
-              <a:t>Model selection</a:t>
+              <a:rPr lang="en-US" dirty="0"/>
+              <a:t>Hyper Param</a:t>
+            </a:r>
+          </a:p>
+          <a:p>
+            <a:r>
+              <a:rPr lang="en-US" dirty="0"/>
+              <a:t>Selection</a:t>
             </a:r>
           </a:p>
         </p:txBody>
@@ -33997,21 +33022,6 @@
             <a:r>
               <a:rPr lang="en-US" dirty="0"/>
               <a:t>.</a:t>
-            </a:r>
-            <a:r>
-              <a:rPr lang="en-US" b="1" dirty="0"/>
-              <a:t> </a:t>
-            </a:r>
-            <a:endParaRPr lang="is-IS" b="1" dirty="0"/>
-          </a:p>
-          <a:p>
-            <a:pPr marL="914400" lvl="1" indent="-457200">
-              <a:buFont typeface="+mj-lt"/>
-              <a:buAutoNum type="arabicPeriod"/>
-            </a:pPr>
-            <a:r>
-              <a:rPr lang="en-US" b="1" dirty="0"/>
-              <a:t>Note: It is never correct to score the model with training data.</a:t>
             </a:r>
             <a:endParaRPr lang="is-IS" b="1" dirty="0"/>
           </a:p>
